--- a/06_Paper/ER-ED/figures/Design_ER-ED.pptx
+++ b/06_Paper/ER-ED/figures/Design_ER-ED.pptx
@@ -3113,7 +3113,7 @@
       </p:grpSpPr>
       <p:grpSp>
         <p:nvGrpSpPr>
-          <p:cNvPr id="59" name="Gruppieren 58"/>
+          <p:cNvPr id="61" name="Gruppieren 60"/>
           <p:cNvGrpSpPr/>
           <p:nvPr/>
         </p:nvGrpSpPr>
@@ -3125,819 +3125,1694 @@
             <a:chExt cx="4093420" cy="7064343"/>
           </a:xfrm>
         </p:grpSpPr>
-        <p:cxnSp>
-          <p:nvCxnSpPr>
-            <p:cNvPr id="49" name="Gerade Verbindung mit Pfeil 48"/>
-            <p:cNvCxnSpPr>
-              <a:stCxn id="9" idx="2"/>
-              <a:endCxn id="10" idx="0"/>
-            </p:cNvCxnSpPr>
+        <p:grpSp>
+          <p:nvGrpSpPr>
+            <p:cNvPr id="59" name="Gruppieren 58"/>
+            <p:cNvGrpSpPr/>
             <p:nvPr/>
-          </p:nvCxnSpPr>
-          <p:spPr>
+          </p:nvGrpSpPr>
+          <p:grpSpPr>
             <a:xfrm>
-              <a:off x="4571999" y="5699186"/>
-              <a:ext cx="0" cy="1374139"/>
+              <a:off x="2314579" y="1088342"/>
+              <a:ext cx="4093420" cy="7064343"/>
+              <a:chOff x="2314579" y="1088342"/>
+              <a:chExt cx="4093420" cy="7064343"/>
             </a:xfrm>
-            <a:prstGeom prst="straightConnector1">
-              <a:avLst/>
-            </a:prstGeom>
-            <a:ln w="6350">
-              <a:solidFill>
+          </p:grpSpPr>
+          <p:cxnSp>
+            <p:nvCxnSpPr>
+              <p:cNvPr id="49" name="Gerade Verbindung mit Pfeil 48"/>
+              <p:cNvCxnSpPr>
+                <a:stCxn id="9" idx="2"/>
+                <a:endCxn id="10" idx="0"/>
+              </p:cNvCxnSpPr>
+              <p:nvPr/>
+            </p:nvCxnSpPr>
+            <p:spPr>
+              <a:xfrm>
+                <a:off x="4571999" y="5699186"/>
+                <a:ext cx="0" cy="1374139"/>
+              </a:xfrm>
+              <a:prstGeom prst="straightConnector1">
+                <a:avLst/>
+              </a:prstGeom>
+              <a:ln w="6350">
+                <a:solidFill>
+                  <a:schemeClr val="tx1"/>
+                </a:solidFill>
+                <a:headEnd type="none" w="med" len="med"/>
+                <a:tailEnd type="triangle" w="med" len="med"/>
+              </a:ln>
+            </p:spPr>
+            <p:style>
+              <a:lnRef idx="1">
+                <a:schemeClr val="accent1"/>
+              </a:lnRef>
+              <a:fillRef idx="0">
+                <a:schemeClr val="accent1"/>
+              </a:fillRef>
+              <a:effectRef idx="0">
+                <a:schemeClr val="accent1"/>
+              </a:effectRef>
+              <a:fontRef idx="minor">
                 <a:schemeClr val="tx1"/>
-              </a:solidFill>
-              <a:headEnd type="none" w="med" len="med"/>
-              <a:tailEnd type="triangle" w="med" len="med"/>
-            </a:ln>
-          </p:spPr>
-          <p:style>
-            <a:lnRef idx="1">
-              <a:schemeClr val="accent1"/>
-            </a:lnRef>
-            <a:fillRef idx="0">
-              <a:schemeClr val="accent1"/>
-            </a:fillRef>
-            <a:effectRef idx="0">
-              <a:schemeClr val="accent1"/>
-            </a:effectRef>
-            <a:fontRef idx="minor">
-              <a:schemeClr val="tx1"/>
-            </a:fontRef>
-          </p:style>
-        </p:cxnSp>
-        <p:cxnSp>
-          <p:nvCxnSpPr>
-            <p:cNvPr id="48" name="Gerade Verbindung mit Pfeil 47"/>
-            <p:cNvCxnSpPr>
-              <a:stCxn id="6" idx="2"/>
-              <a:endCxn id="9" idx="0"/>
-            </p:cNvCxnSpPr>
-            <p:nvPr/>
-          </p:nvCxnSpPr>
-          <p:spPr>
-            <a:xfrm>
-              <a:off x="4571999" y="4663993"/>
-              <a:ext cx="0" cy="573528"/>
-            </a:xfrm>
-            <a:prstGeom prst="straightConnector1">
-              <a:avLst/>
-            </a:prstGeom>
-            <a:ln w="6350">
-              <a:solidFill>
+              </a:fontRef>
+            </p:style>
+          </p:cxnSp>
+          <p:cxnSp>
+            <p:nvCxnSpPr>
+              <p:cNvPr id="48" name="Gerade Verbindung mit Pfeil 47"/>
+              <p:cNvCxnSpPr>
+                <a:stCxn id="6" idx="2"/>
+                <a:endCxn id="9" idx="0"/>
+              </p:cNvCxnSpPr>
+              <p:nvPr/>
+            </p:nvCxnSpPr>
+            <p:spPr>
+              <a:xfrm>
+                <a:off x="4571999" y="4663993"/>
+                <a:ext cx="0" cy="573528"/>
+              </a:xfrm>
+              <a:prstGeom prst="straightConnector1">
+                <a:avLst/>
+              </a:prstGeom>
+              <a:ln w="6350">
+                <a:solidFill>
+                  <a:schemeClr val="tx1"/>
+                </a:solidFill>
+                <a:headEnd type="none" w="med" len="med"/>
+                <a:tailEnd type="triangle" w="med" len="med"/>
+              </a:ln>
+            </p:spPr>
+            <p:style>
+              <a:lnRef idx="1">
+                <a:schemeClr val="accent1"/>
+              </a:lnRef>
+              <a:fillRef idx="0">
+                <a:schemeClr val="accent1"/>
+              </a:fillRef>
+              <a:effectRef idx="0">
+                <a:schemeClr val="accent1"/>
+              </a:effectRef>
+              <a:fontRef idx="minor">
                 <a:schemeClr val="tx1"/>
-              </a:solidFill>
-              <a:headEnd type="none" w="med" len="med"/>
-              <a:tailEnd type="triangle" w="med" len="med"/>
-            </a:ln>
-          </p:spPr>
-          <p:style>
-            <a:lnRef idx="1">
-              <a:schemeClr val="accent1"/>
-            </a:lnRef>
-            <a:fillRef idx="0">
-              <a:schemeClr val="accent1"/>
-            </a:fillRef>
-            <a:effectRef idx="0">
-              <a:schemeClr val="accent1"/>
-            </a:effectRef>
-            <a:fontRef idx="minor">
-              <a:schemeClr val="tx1"/>
-            </a:fontRef>
-          </p:style>
-        </p:cxnSp>
-        <p:cxnSp>
-          <p:nvCxnSpPr>
-            <p:cNvPr id="37" name="Gerade Verbindung mit Pfeil 36"/>
-            <p:cNvCxnSpPr>
-              <a:stCxn id="8" idx="2"/>
-              <a:endCxn id="6" idx="0"/>
-            </p:cNvCxnSpPr>
-            <p:nvPr/>
-          </p:nvCxnSpPr>
-          <p:spPr>
-            <a:xfrm>
-              <a:off x="4571999" y="3628512"/>
-              <a:ext cx="0" cy="573816"/>
-            </a:xfrm>
-            <a:prstGeom prst="straightConnector1">
-              <a:avLst/>
-            </a:prstGeom>
-            <a:ln w="6350">
-              <a:solidFill>
+              </a:fontRef>
+            </p:style>
+          </p:cxnSp>
+          <p:cxnSp>
+            <p:nvCxnSpPr>
+              <p:cNvPr id="37" name="Gerade Verbindung mit Pfeil 36"/>
+              <p:cNvCxnSpPr>
+                <a:stCxn id="8" idx="2"/>
+                <a:endCxn id="6" idx="0"/>
+              </p:cNvCxnSpPr>
+              <p:nvPr/>
+            </p:nvCxnSpPr>
+            <p:spPr>
+              <a:xfrm>
+                <a:off x="4571999" y="3628512"/>
+                <a:ext cx="0" cy="573816"/>
+              </a:xfrm>
+              <a:prstGeom prst="straightConnector1">
+                <a:avLst/>
+              </a:prstGeom>
+              <a:ln w="6350">
+                <a:solidFill>
+                  <a:schemeClr val="tx1"/>
+                </a:solidFill>
+                <a:headEnd type="none" w="med" len="med"/>
+                <a:tailEnd type="triangle" w="med" len="med"/>
+              </a:ln>
+            </p:spPr>
+            <p:style>
+              <a:lnRef idx="1">
+                <a:schemeClr val="accent1"/>
+              </a:lnRef>
+              <a:fillRef idx="0">
+                <a:schemeClr val="accent1"/>
+              </a:fillRef>
+              <a:effectRef idx="0">
+                <a:schemeClr val="accent1"/>
+              </a:effectRef>
+              <a:fontRef idx="minor">
                 <a:schemeClr val="tx1"/>
-              </a:solidFill>
-              <a:headEnd type="none" w="med" len="med"/>
-              <a:tailEnd type="triangle" w="med" len="med"/>
-            </a:ln>
-          </p:spPr>
-          <p:style>
-            <a:lnRef idx="1">
-              <a:schemeClr val="accent1"/>
-            </a:lnRef>
-            <a:fillRef idx="0">
-              <a:schemeClr val="accent1"/>
-            </a:fillRef>
-            <a:effectRef idx="0">
-              <a:schemeClr val="accent1"/>
-            </a:effectRef>
-            <a:fontRef idx="minor">
-              <a:schemeClr val="tx1"/>
-            </a:fontRef>
-          </p:style>
-        </p:cxnSp>
-        <p:cxnSp>
-          <p:nvCxnSpPr>
-            <p:cNvPr id="32" name="Gerade Verbindung mit Pfeil 31"/>
-            <p:cNvCxnSpPr>
-              <a:stCxn id="5" idx="2"/>
-              <a:endCxn id="8" idx="0"/>
-            </p:cNvCxnSpPr>
-            <p:nvPr/>
-          </p:nvCxnSpPr>
-          <p:spPr>
-            <a:xfrm>
-              <a:off x="4571999" y="2579627"/>
-              <a:ext cx="0" cy="587220"/>
-            </a:xfrm>
-            <a:prstGeom prst="straightConnector1">
-              <a:avLst/>
-            </a:prstGeom>
-            <a:ln w="6350">
-              <a:solidFill>
+              </a:fontRef>
+            </p:style>
+          </p:cxnSp>
+          <p:cxnSp>
+            <p:nvCxnSpPr>
+              <p:cNvPr id="32" name="Gerade Verbindung mit Pfeil 31"/>
+              <p:cNvCxnSpPr>
+                <a:stCxn id="5" idx="2"/>
+                <a:endCxn id="8" idx="0"/>
+              </p:cNvCxnSpPr>
+              <p:nvPr/>
+            </p:nvCxnSpPr>
+            <p:spPr>
+              <a:xfrm>
+                <a:off x="4571999" y="2579627"/>
+                <a:ext cx="0" cy="587220"/>
+              </a:xfrm>
+              <a:prstGeom prst="straightConnector1">
+                <a:avLst/>
+              </a:prstGeom>
+              <a:ln w="6350">
+                <a:solidFill>
+                  <a:schemeClr val="tx1"/>
+                </a:solidFill>
+                <a:headEnd type="none" w="med" len="med"/>
+                <a:tailEnd type="triangle" w="med" len="med"/>
+              </a:ln>
+            </p:spPr>
+            <p:style>
+              <a:lnRef idx="1">
+                <a:schemeClr val="accent1"/>
+              </a:lnRef>
+              <a:fillRef idx="0">
+                <a:schemeClr val="accent1"/>
+              </a:fillRef>
+              <a:effectRef idx="0">
+                <a:schemeClr val="accent1"/>
+              </a:effectRef>
+              <a:fontRef idx="minor">
                 <a:schemeClr val="tx1"/>
-              </a:solidFill>
-              <a:headEnd type="none" w="med" len="med"/>
-              <a:tailEnd type="triangle" w="med" len="med"/>
-            </a:ln>
-          </p:spPr>
-          <p:style>
-            <a:lnRef idx="1">
-              <a:schemeClr val="accent1"/>
-            </a:lnRef>
-            <a:fillRef idx="0">
-              <a:schemeClr val="accent1"/>
-            </a:fillRef>
-            <a:effectRef idx="0">
-              <a:schemeClr val="accent1"/>
-            </a:effectRef>
-            <a:fontRef idx="minor">
-              <a:schemeClr val="tx1"/>
-            </a:fontRef>
-          </p:style>
-        </p:cxnSp>
-        <p:sp>
-          <p:nvSpPr>
-            <p:cNvPr id="4" name="Textfeld 3"/>
-            <p:cNvSpPr txBox="1"/>
-            <p:nvPr/>
-          </p:nvSpPr>
-          <p:spPr>
-            <a:xfrm>
-              <a:off x="2735999" y="1088342"/>
-              <a:ext cx="3672000" cy="461665"/>
-            </a:xfrm>
-            <a:prstGeom prst="rect">
-              <a:avLst/>
-            </a:prstGeom>
-            <a:noFill/>
-            <a:ln w="12700">
-              <a:solidFill>
-                <a:schemeClr val="tx1"/>
-              </a:solidFill>
-            </a:ln>
-          </p:spPr>
-          <p:txBody>
-            <a:bodyPr wrap="square" rtlCol="0" anchor="ctr">
-              <a:spAutoFit/>
-            </a:bodyPr>
-            <a:lstStyle/>
-            <a:p>
-              <a:pPr algn="ctr"/>
-              <a:r>
-                <a:rPr lang="en-GB" sz="1200" dirty="0">
+              </a:fontRef>
+            </p:style>
+          </p:cxnSp>
+          <p:sp>
+            <p:nvSpPr>
+              <p:cNvPr id="4" name="Textfeld 3"/>
+              <p:cNvSpPr txBox="1"/>
+              <p:nvPr/>
+            </p:nvSpPr>
+            <p:spPr>
+              <a:xfrm>
+                <a:off x="2735999" y="1088342"/>
+                <a:ext cx="3672000" cy="461665"/>
+              </a:xfrm>
+              <a:prstGeom prst="rect">
+                <a:avLst/>
+              </a:prstGeom>
+              <a:noFill/>
+              <a:ln w="12700">
+                <a:solidFill>
+                  <a:schemeClr val="tx1"/>
+                </a:solidFill>
+              </a:ln>
+            </p:spPr>
+            <p:txBody>
+              <a:bodyPr wrap="square" rtlCol="0" anchor="ctr">
+                <a:spAutoFit/>
+              </a:bodyPr>
+              <a:lstStyle/>
+              <a:p>
+                <a:pPr algn="ctr"/>
+                <a:r>
+                  <a:rPr lang="en-GB" sz="1200" dirty="0">
+                    <a:latin typeface="Arial" panose="020B0604020202020204" pitchFamily="34" charset="0"/>
+                    <a:ea typeface="Open Sans" panose="020B0606030504020204" pitchFamily="34" charset="0"/>
+                    <a:cs typeface="Arial" panose="020B0604020202020204" pitchFamily="34" charset="0"/>
+                  </a:rPr>
+                  <a:t>Block 1</a:t>
+                </a:r>
+              </a:p>
+              <a:p>
+                <a:pPr algn="ctr"/>
+                <a:r>
+                  <a:rPr lang="en-GB" sz="1200" dirty="0">
+                    <a:latin typeface="Arial" panose="020B0604020202020204" pitchFamily="34" charset="0"/>
+                    <a:ea typeface="Open Sans" panose="020B0606030504020204" pitchFamily="34" charset="0"/>
+                    <a:cs typeface="Arial" panose="020B0604020202020204" pitchFamily="34" charset="0"/>
+                  </a:rPr>
+                  <a:t>Active viewing of neutral pictures</a:t>
+                </a:r>
+                <a:endParaRPr lang="en-GB" sz="1200" dirty="0">
                   <a:latin typeface="Arial" panose="020B0604020202020204" pitchFamily="34" charset="0"/>
                   <a:ea typeface="Open Sans" panose="020B0606030504020204" pitchFamily="34" charset="0"/>
                   <a:cs typeface="Arial" panose="020B0604020202020204" pitchFamily="34" charset="0"/>
-                </a:rPr>
-                <a:t>Block 1</a:t>
-              </a:r>
-            </a:p>
-            <a:p>
-              <a:pPr algn="ctr"/>
-              <a:r>
-                <a:rPr lang="en-GB" sz="1200" dirty="0">
+                </a:endParaRPr>
+              </a:p>
+            </p:txBody>
+          </p:sp>
+          <p:sp>
+            <p:nvSpPr>
+              <p:cNvPr id="5" name="Textfeld 4"/>
+              <p:cNvSpPr txBox="1"/>
+              <p:nvPr/>
+            </p:nvSpPr>
+            <p:spPr>
+              <a:xfrm>
+                <a:off x="2735999" y="2117962"/>
+                <a:ext cx="3672000" cy="461665"/>
+              </a:xfrm>
+              <a:prstGeom prst="rect">
+                <a:avLst/>
+              </a:prstGeom>
+              <a:noFill/>
+              <a:ln w="12700">
+                <a:solidFill>
+                  <a:schemeClr val="tx1"/>
+                </a:solidFill>
+              </a:ln>
+            </p:spPr>
+            <p:txBody>
+              <a:bodyPr wrap="square" rtlCol="0" anchor="ctr">
+                <a:spAutoFit/>
+              </a:bodyPr>
+              <a:lstStyle/>
+              <a:p>
+                <a:pPr algn="ctr"/>
+                <a:r>
+                  <a:rPr lang="en-GB" sz="1200" dirty="0">
+                    <a:latin typeface="Arial" panose="020B0604020202020204" pitchFamily="34" charset="0"/>
+                    <a:ea typeface="Open Sans" panose="020B0606030504020204" pitchFamily="34" charset="0"/>
+                    <a:cs typeface="Arial" panose="020B0604020202020204" pitchFamily="34" charset="0"/>
+                  </a:rPr>
+                  <a:t>Block 2 - </a:t>
+                </a:r>
+                <a:r>
+                  <a:rPr lang="en-GB" sz="1200" i="1" dirty="0">
+                    <a:latin typeface="Arial" panose="020B0604020202020204" pitchFamily="34" charset="0"/>
+                    <a:ea typeface="Open Sans" panose="020B0606030504020204" pitchFamily="34" charset="0"/>
+                    <a:cs typeface="Arial" panose="020B0604020202020204" pitchFamily="34" charset="0"/>
+                  </a:rPr>
+                  <a:t>Active viewing</a:t>
+                </a:r>
+              </a:p>
+              <a:p>
+                <a:pPr algn="ctr"/>
+                <a:r>
+                  <a:rPr lang="en-GB" sz="1200" dirty="0">
+                    <a:latin typeface="Arial" panose="020B0604020202020204" pitchFamily="34" charset="0"/>
+                    <a:ea typeface="Open Sans" panose="020B0606030504020204" pitchFamily="34" charset="0"/>
+                    <a:cs typeface="Arial" panose="020B0604020202020204" pitchFamily="34" charset="0"/>
+                  </a:rPr>
+                  <a:t>Active viewing of </a:t>
+                </a:r>
+                <a:r>
+                  <a:rPr lang="en-GB" sz="1200" dirty="0" smtClean="0">
+                    <a:latin typeface="Arial" panose="020B0604020202020204" pitchFamily="34" charset="0"/>
+                    <a:ea typeface="Open Sans" panose="020B0606030504020204" pitchFamily="34" charset="0"/>
+                    <a:cs typeface="Arial" panose="020B0604020202020204" pitchFamily="34" charset="0"/>
+                  </a:rPr>
+                  <a:t>negative </a:t>
+                </a:r>
+                <a:r>
+                  <a:rPr lang="en-GB" sz="1200" dirty="0">
+                    <a:latin typeface="Arial" panose="020B0604020202020204" pitchFamily="34" charset="0"/>
+                    <a:ea typeface="Open Sans" panose="020B0606030504020204" pitchFamily="34" charset="0"/>
+                    <a:cs typeface="Arial" panose="020B0604020202020204" pitchFamily="34" charset="0"/>
+                  </a:rPr>
+                  <a:t>pictures</a:t>
+                </a:r>
+                <a:endParaRPr lang="en-GB" sz="1200" dirty="0">
                   <a:latin typeface="Arial" panose="020B0604020202020204" pitchFamily="34" charset="0"/>
                   <a:ea typeface="Open Sans" panose="020B0606030504020204" pitchFamily="34" charset="0"/>
                   <a:cs typeface="Arial" panose="020B0604020202020204" pitchFamily="34" charset="0"/>
-                </a:rPr>
-                <a:t>Active viewing of neutral pictures</a:t>
-              </a:r>
-              <a:endParaRPr lang="en-GB" sz="1200" dirty="0">
-                <a:latin typeface="Arial" panose="020B0604020202020204" pitchFamily="34" charset="0"/>
-                <a:ea typeface="Open Sans" panose="020B0606030504020204" pitchFamily="34" charset="0"/>
-                <a:cs typeface="Arial" panose="020B0604020202020204" pitchFamily="34" charset="0"/>
-              </a:endParaRPr>
-            </a:p>
-          </p:txBody>
-        </p:sp>
-        <p:sp>
-          <p:nvSpPr>
-            <p:cNvPr id="5" name="Textfeld 4"/>
-            <p:cNvSpPr txBox="1"/>
-            <p:nvPr/>
-          </p:nvSpPr>
-          <p:spPr>
-            <a:xfrm>
-              <a:off x="2735999" y="2117962"/>
-              <a:ext cx="3672000" cy="461665"/>
-            </a:xfrm>
-            <a:prstGeom prst="rect">
-              <a:avLst/>
-            </a:prstGeom>
-            <a:noFill/>
-            <a:ln w="12700">
-              <a:solidFill>
-                <a:schemeClr val="tx1"/>
-              </a:solidFill>
-            </a:ln>
-          </p:spPr>
-          <p:txBody>
-            <a:bodyPr wrap="square" rtlCol="0" anchor="ctr">
-              <a:spAutoFit/>
-            </a:bodyPr>
-            <a:lstStyle/>
-            <a:p>
-              <a:pPr algn="ctr"/>
-              <a:r>
-                <a:rPr lang="en-GB" sz="1200" dirty="0">
+                </a:endParaRPr>
+              </a:p>
+            </p:txBody>
+          </p:sp>
+          <p:sp>
+            <p:nvSpPr>
+              <p:cNvPr id="6" name="Textfeld 5"/>
+              <p:cNvSpPr txBox="1"/>
+              <p:nvPr/>
+            </p:nvSpPr>
+            <p:spPr>
+              <a:xfrm>
+                <a:off x="2735999" y="4202328"/>
+                <a:ext cx="3672000" cy="461665"/>
+              </a:xfrm>
+              <a:prstGeom prst="rect">
+                <a:avLst/>
+              </a:prstGeom>
+              <a:noFill/>
+              <a:ln w="12700">
+                <a:solidFill>
+                  <a:schemeClr val="tx1"/>
+                </a:solidFill>
+              </a:ln>
+            </p:spPr>
+            <p:txBody>
+              <a:bodyPr wrap="square" rtlCol="0" anchor="ctr">
+                <a:spAutoFit/>
+              </a:bodyPr>
+              <a:lstStyle/>
+              <a:p>
+                <a:pPr algn="ctr"/>
+                <a:r>
+                  <a:rPr lang="en-GB" sz="1200" dirty="0">
+                    <a:latin typeface="Arial" panose="020B0604020202020204" pitchFamily="34" charset="0"/>
+                    <a:ea typeface="Open Sans" panose="020B0606030504020204" pitchFamily="34" charset="0"/>
+                    <a:cs typeface="Arial" panose="020B0604020202020204" pitchFamily="34" charset="0"/>
+                  </a:rPr>
+                  <a:t>Block </a:t>
+                </a:r>
+                <a:r>
+                  <a:rPr lang="en-GB" sz="1200" dirty="0" smtClean="0">
+                    <a:latin typeface="Arial" panose="020B0604020202020204" pitchFamily="34" charset="0"/>
+                    <a:ea typeface="Open Sans" panose="020B0606030504020204" pitchFamily="34" charset="0"/>
+                    <a:cs typeface="Arial" panose="020B0604020202020204" pitchFamily="34" charset="0"/>
+                  </a:rPr>
+                  <a:t>4 </a:t>
+                </a:r>
+                <a:r>
+                  <a:rPr lang="en-GB" sz="1200" dirty="0">
+                    <a:latin typeface="Arial" panose="020B0604020202020204" pitchFamily="34" charset="0"/>
+                    <a:ea typeface="Open Sans" panose="020B0606030504020204" pitchFamily="34" charset="0"/>
+                    <a:cs typeface="Arial" panose="020B0604020202020204" pitchFamily="34" charset="0"/>
+                  </a:rPr>
+                  <a:t>- </a:t>
+                </a:r>
+                <a:r>
+                  <a:rPr lang="en-GB" sz="1200" i="1" dirty="0">
+                    <a:latin typeface="Arial" panose="020B0604020202020204" pitchFamily="34" charset="0"/>
+                    <a:ea typeface="Open Sans" panose="020B0606030504020204" pitchFamily="34" charset="0"/>
+                    <a:cs typeface="Arial" panose="020B0604020202020204" pitchFamily="34" charset="0"/>
+                  </a:rPr>
+                  <a:t>Distancing</a:t>
+                </a:r>
+              </a:p>
+              <a:p>
+                <a:pPr algn="ctr"/>
+                <a:r>
+                  <a:rPr lang="en-GB" sz="1200" dirty="0">
+                    <a:latin typeface="Arial" panose="020B0604020202020204" pitchFamily="34" charset="0"/>
+                    <a:ea typeface="Open Sans" panose="020B0606030504020204" pitchFamily="34" charset="0"/>
+                    <a:cs typeface="Arial" panose="020B0604020202020204" pitchFamily="34" charset="0"/>
+                  </a:rPr>
+                  <a:t>Distancing from </a:t>
+                </a:r>
+                <a:r>
+                  <a:rPr lang="en-GB" sz="1200" dirty="0" smtClean="0">
+                    <a:latin typeface="Arial" panose="020B0604020202020204" pitchFamily="34" charset="0"/>
+                    <a:ea typeface="Open Sans" panose="020B0606030504020204" pitchFamily="34" charset="0"/>
+                    <a:cs typeface="Arial" panose="020B0604020202020204" pitchFamily="34" charset="0"/>
+                  </a:rPr>
+                  <a:t>negative </a:t>
+                </a:r>
+                <a:r>
+                  <a:rPr lang="en-GB" sz="1200" dirty="0">
+                    <a:latin typeface="Arial" panose="020B0604020202020204" pitchFamily="34" charset="0"/>
+                    <a:ea typeface="Open Sans" panose="020B0606030504020204" pitchFamily="34" charset="0"/>
+                    <a:cs typeface="Arial" panose="020B0604020202020204" pitchFamily="34" charset="0"/>
+                  </a:rPr>
+                  <a:t>p</a:t>
+                </a:r>
+                <a:r>
+                  <a:rPr lang="en-GB" sz="1200" dirty="0">
+                    <a:latin typeface="Arial" panose="020B0604020202020204" pitchFamily="34" charset="0"/>
+                    <a:ea typeface="Open Sans" panose="020B0606030504020204" pitchFamily="34" charset="0"/>
+                    <a:cs typeface="Arial" panose="020B0604020202020204" pitchFamily="34" charset="0"/>
+                  </a:rPr>
+                  <a:t>ictures</a:t>
+                </a:r>
+                <a:endParaRPr lang="en-GB" sz="1200" dirty="0">
                   <a:latin typeface="Arial" panose="020B0604020202020204" pitchFamily="34" charset="0"/>
                   <a:ea typeface="Open Sans" panose="020B0606030504020204" pitchFamily="34" charset="0"/>
                   <a:cs typeface="Arial" panose="020B0604020202020204" pitchFamily="34" charset="0"/>
-                </a:rPr>
-                <a:t>Block 2 - </a:t>
-              </a:r>
-              <a:r>
-                <a:rPr lang="en-GB" sz="1200" i="1" dirty="0">
+                </a:endParaRPr>
+              </a:p>
+            </p:txBody>
+          </p:sp>
+          <p:sp>
+            <p:nvSpPr>
+              <p:cNvPr id="8" name="Textfeld 7"/>
+              <p:cNvSpPr txBox="1"/>
+              <p:nvPr/>
+            </p:nvSpPr>
+            <p:spPr>
+              <a:xfrm>
+                <a:off x="2735999" y="3166847"/>
+                <a:ext cx="3672000" cy="461665"/>
+              </a:xfrm>
+              <a:prstGeom prst="rect">
+                <a:avLst/>
+              </a:prstGeom>
+              <a:noFill/>
+              <a:ln w="12700">
+                <a:solidFill>
+                  <a:schemeClr val="tx1"/>
+                </a:solidFill>
+              </a:ln>
+            </p:spPr>
+            <p:txBody>
+              <a:bodyPr wrap="square" rtlCol="0" anchor="ctr">
+                <a:spAutoFit/>
+              </a:bodyPr>
+              <a:lstStyle/>
+              <a:p>
+                <a:pPr algn="ctr"/>
+                <a:r>
+                  <a:rPr lang="en-GB" sz="1200" dirty="0">
+                    <a:latin typeface="Arial" panose="020B0604020202020204" pitchFamily="34" charset="0"/>
+                    <a:ea typeface="Open Sans" panose="020B0606030504020204" pitchFamily="34" charset="0"/>
+                    <a:cs typeface="Arial" panose="020B0604020202020204" pitchFamily="34" charset="0"/>
+                  </a:rPr>
+                  <a:t>Block 3 - </a:t>
+                </a:r>
+                <a:r>
+                  <a:rPr lang="en-GB" sz="1200" i="1" dirty="0" smtClean="0">
+                    <a:latin typeface="Arial" panose="020B0604020202020204" pitchFamily="34" charset="0"/>
+                    <a:ea typeface="Open Sans" panose="020B0606030504020204" pitchFamily="34" charset="0"/>
+                    <a:cs typeface="Arial" panose="020B0604020202020204" pitchFamily="34" charset="0"/>
+                  </a:rPr>
+                  <a:t>Distraction</a:t>
+                </a:r>
+                <a:endParaRPr lang="en-GB" sz="1200" i="1" dirty="0">
                   <a:latin typeface="Arial" panose="020B0604020202020204" pitchFamily="34" charset="0"/>
                   <a:ea typeface="Open Sans" panose="020B0606030504020204" pitchFamily="34" charset="0"/>
                   <a:cs typeface="Arial" panose="020B0604020202020204" pitchFamily="34" charset="0"/>
-                </a:rPr>
-                <a:t>Active viewing</a:t>
-              </a:r>
-            </a:p>
-            <a:p>
-              <a:pPr algn="ctr"/>
-              <a:r>
-                <a:rPr lang="en-GB" sz="1200" dirty="0">
+                </a:endParaRPr>
+              </a:p>
+              <a:p>
+                <a:pPr algn="ctr"/>
+                <a:r>
+                  <a:rPr lang="en-GB" sz="1200" dirty="0" smtClean="0">
+                    <a:latin typeface="Arial" panose="020B0604020202020204" pitchFamily="34" charset="0"/>
+                    <a:ea typeface="Open Sans" panose="020B0606030504020204" pitchFamily="34" charset="0"/>
+                    <a:cs typeface="Arial" panose="020B0604020202020204" pitchFamily="34" charset="0"/>
+                  </a:rPr>
+                  <a:t>Distraction of negative pictures</a:t>
+                </a:r>
+                <a:endParaRPr lang="en-GB" sz="1200" dirty="0">
                   <a:latin typeface="Arial" panose="020B0604020202020204" pitchFamily="34" charset="0"/>
                   <a:ea typeface="Open Sans" panose="020B0606030504020204" pitchFamily="34" charset="0"/>
                   <a:cs typeface="Arial" panose="020B0604020202020204" pitchFamily="34" charset="0"/>
-                </a:rPr>
-                <a:t>Active viewing of </a:t>
-              </a:r>
-              <a:r>
-                <a:rPr lang="en-GB" sz="1200" dirty="0" smtClean="0">
+                </a:endParaRPr>
+              </a:p>
+            </p:txBody>
+          </p:sp>
+          <p:sp>
+            <p:nvSpPr>
+              <p:cNvPr id="9" name="Textfeld 8"/>
+              <p:cNvSpPr txBox="1"/>
+              <p:nvPr/>
+            </p:nvSpPr>
+            <p:spPr>
+              <a:xfrm>
+                <a:off x="2735999" y="5237521"/>
+                <a:ext cx="3672000" cy="461665"/>
+              </a:xfrm>
+              <a:prstGeom prst="rect">
+                <a:avLst/>
+              </a:prstGeom>
+              <a:noFill/>
+              <a:ln w="12700">
+                <a:solidFill>
+                  <a:schemeClr val="tx1"/>
+                </a:solidFill>
+              </a:ln>
+            </p:spPr>
+            <p:txBody>
+              <a:bodyPr wrap="square" rtlCol="0" anchor="ctr">
+                <a:spAutoFit/>
+              </a:bodyPr>
+              <a:lstStyle/>
+              <a:p>
+                <a:pPr algn="ctr"/>
+                <a:r>
+                  <a:rPr lang="en-GB" sz="1200" dirty="0">
+                    <a:latin typeface="Arial" panose="020B0604020202020204" pitchFamily="34" charset="0"/>
+                    <a:ea typeface="Open Sans" panose="020B0606030504020204" pitchFamily="34" charset="0"/>
+                    <a:cs typeface="Arial" panose="020B0604020202020204" pitchFamily="34" charset="0"/>
+                  </a:rPr>
+                  <a:t>Block </a:t>
+                </a:r>
+                <a:r>
+                  <a:rPr lang="en-GB" sz="1200" dirty="0" smtClean="0">
+                    <a:latin typeface="Arial" panose="020B0604020202020204" pitchFamily="34" charset="0"/>
+                    <a:ea typeface="Open Sans" panose="020B0606030504020204" pitchFamily="34" charset="0"/>
+                    <a:cs typeface="Arial" panose="020B0604020202020204" pitchFamily="34" charset="0"/>
+                  </a:rPr>
+                  <a:t>5 </a:t>
+                </a:r>
+                <a:r>
+                  <a:rPr lang="en-GB" sz="1200" dirty="0">
+                    <a:latin typeface="Arial" panose="020B0604020202020204" pitchFamily="34" charset="0"/>
+                    <a:ea typeface="Open Sans" panose="020B0606030504020204" pitchFamily="34" charset="0"/>
+                    <a:cs typeface="Arial" panose="020B0604020202020204" pitchFamily="34" charset="0"/>
+                  </a:rPr>
+                  <a:t>- </a:t>
+                </a:r>
+                <a:r>
+                  <a:rPr lang="en-GB" sz="1200" i="1" dirty="0">
+                    <a:latin typeface="Arial" panose="020B0604020202020204" pitchFamily="34" charset="0"/>
+                    <a:ea typeface="Open Sans" panose="020B0606030504020204" pitchFamily="34" charset="0"/>
+                    <a:cs typeface="Arial" panose="020B0604020202020204" pitchFamily="34" charset="0"/>
+                  </a:rPr>
+                  <a:t>Expressive</a:t>
+                </a:r>
+                <a:r>
+                  <a:rPr lang="en-GB" sz="1200" dirty="0">
+                    <a:latin typeface="Arial" panose="020B0604020202020204" pitchFamily="34" charset="0"/>
+                    <a:ea typeface="Open Sans" panose="020B0606030504020204" pitchFamily="34" charset="0"/>
+                    <a:cs typeface="Arial" panose="020B0604020202020204" pitchFamily="34" charset="0"/>
+                  </a:rPr>
+                  <a:t> </a:t>
+                </a:r>
+                <a:r>
+                  <a:rPr lang="en-GB" sz="1200" i="1" dirty="0">
+                    <a:latin typeface="Arial" panose="020B0604020202020204" pitchFamily="34" charset="0"/>
+                    <a:ea typeface="Open Sans" panose="020B0606030504020204" pitchFamily="34" charset="0"/>
+                    <a:cs typeface="Arial" panose="020B0604020202020204" pitchFamily="34" charset="0"/>
+                  </a:rPr>
+                  <a:t>suppression</a:t>
+                </a:r>
+              </a:p>
+              <a:p>
+                <a:pPr algn="ctr"/>
+                <a:r>
+                  <a:rPr lang="en-GB" sz="1200" dirty="0">
+                    <a:latin typeface="Arial" panose="020B0604020202020204" pitchFamily="34" charset="0"/>
+                    <a:ea typeface="Open Sans" panose="020B0606030504020204" pitchFamily="34" charset="0"/>
+                    <a:cs typeface="Arial" panose="020B0604020202020204" pitchFamily="34" charset="0"/>
+                  </a:rPr>
+                  <a:t>Expressive suppression of </a:t>
+                </a:r>
+                <a:r>
+                  <a:rPr lang="en-GB" sz="1200" dirty="0" smtClean="0">
+                    <a:latin typeface="Arial" panose="020B0604020202020204" pitchFamily="34" charset="0"/>
+                    <a:ea typeface="Open Sans" panose="020B0606030504020204" pitchFamily="34" charset="0"/>
+                    <a:cs typeface="Arial" panose="020B0604020202020204" pitchFamily="34" charset="0"/>
+                  </a:rPr>
+                  <a:t>negative </a:t>
+                </a:r>
+                <a:r>
+                  <a:rPr lang="en-GB" sz="1200" dirty="0">
+                    <a:latin typeface="Arial" panose="020B0604020202020204" pitchFamily="34" charset="0"/>
+                    <a:ea typeface="Open Sans" panose="020B0606030504020204" pitchFamily="34" charset="0"/>
+                    <a:cs typeface="Arial" panose="020B0604020202020204" pitchFamily="34" charset="0"/>
+                  </a:rPr>
+                  <a:t>p</a:t>
+                </a:r>
+                <a:r>
+                  <a:rPr lang="en-GB" sz="1200" dirty="0">
+                    <a:latin typeface="Arial" panose="020B0604020202020204" pitchFamily="34" charset="0"/>
+                    <a:ea typeface="Open Sans" panose="020B0606030504020204" pitchFamily="34" charset="0"/>
+                    <a:cs typeface="Arial" panose="020B0604020202020204" pitchFamily="34" charset="0"/>
+                  </a:rPr>
+                  <a:t>ictures</a:t>
+                </a:r>
+                <a:endParaRPr lang="en-GB" sz="1200" dirty="0">
                   <a:latin typeface="Arial" panose="020B0604020202020204" pitchFamily="34" charset="0"/>
                   <a:ea typeface="Open Sans" panose="020B0606030504020204" pitchFamily="34" charset="0"/>
                   <a:cs typeface="Arial" panose="020B0604020202020204" pitchFamily="34" charset="0"/>
-                </a:rPr>
-                <a:t>negative </a:t>
-              </a:r>
-              <a:r>
-                <a:rPr lang="en-GB" sz="1200" dirty="0">
+                </a:endParaRPr>
+              </a:p>
+            </p:txBody>
+          </p:sp>
+          <p:sp>
+            <p:nvSpPr>
+              <p:cNvPr id="10" name="Textfeld 9"/>
+              <p:cNvSpPr txBox="1"/>
+              <p:nvPr/>
+            </p:nvSpPr>
+            <p:spPr>
+              <a:xfrm>
+                <a:off x="2735998" y="7073325"/>
+                <a:ext cx="3672001" cy="646331"/>
+              </a:xfrm>
+              <a:prstGeom prst="rect">
+                <a:avLst/>
+              </a:prstGeom>
+              <a:noFill/>
+              <a:ln w="12700">
+                <a:solidFill>
+                  <a:schemeClr val="tx1"/>
+                </a:solidFill>
+              </a:ln>
+            </p:spPr>
+            <p:txBody>
+              <a:bodyPr wrap="square" rtlCol="0" anchor="ctr">
+                <a:spAutoFit/>
+              </a:bodyPr>
+              <a:lstStyle/>
+              <a:p>
+                <a:pPr algn="ctr"/>
+                <a:r>
+                  <a:rPr lang="en-GB" sz="1200" dirty="0">
+                    <a:latin typeface="Arial" panose="020B0604020202020204" pitchFamily="34" charset="0"/>
+                    <a:ea typeface="Open Sans" panose="020B0606030504020204" pitchFamily="34" charset="0"/>
+                    <a:cs typeface="Arial" panose="020B0604020202020204" pitchFamily="34" charset="0"/>
+                  </a:rPr>
+                  <a:t>Block </a:t>
+                </a:r>
+                <a:r>
+                  <a:rPr lang="en-GB" sz="1200" dirty="0" smtClean="0">
+                    <a:latin typeface="Arial" panose="020B0604020202020204" pitchFamily="34" charset="0"/>
+                    <a:ea typeface="Open Sans" panose="020B0606030504020204" pitchFamily="34" charset="0"/>
+                    <a:cs typeface="Arial" panose="020B0604020202020204" pitchFamily="34" charset="0"/>
+                  </a:rPr>
+                  <a:t>6 </a:t>
+                </a:r>
+                <a:r>
+                  <a:rPr lang="en-GB" sz="1200" dirty="0">
+                    <a:latin typeface="Arial" panose="020B0604020202020204" pitchFamily="34" charset="0"/>
+                    <a:ea typeface="Open Sans" panose="020B0606030504020204" pitchFamily="34" charset="0"/>
+                    <a:cs typeface="Arial" panose="020B0604020202020204" pitchFamily="34" charset="0"/>
+                  </a:rPr>
+                  <a:t>- </a:t>
+                </a:r>
+                <a:r>
+                  <a:rPr lang="en-GB" sz="1200" i="1" dirty="0">
+                    <a:latin typeface="Arial" panose="020B0604020202020204" pitchFamily="34" charset="0"/>
+                    <a:ea typeface="Open Sans" panose="020B0606030504020204" pitchFamily="34" charset="0"/>
+                    <a:cs typeface="Arial" panose="020B0604020202020204" pitchFamily="34" charset="0"/>
+                  </a:rPr>
+                  <a:t>Choice</a:t>
+                </a:r>
+              </a:p>
+              <a:p>
+                <a:pPr algn="ctr"/>
+                <a:r>
+                  <a:rPr lang="en-GB" sz="1200" dirty="0" smtClean="0">
+                    <a:latin typeface="Arial" panose="020B0604020202020204" pitchFamily="34" charset="0"/>
+                    <a:ea typeface="Open Sans" panose="020B0606030504020204" pitchFamily="34" charset="0"/>
+                    <a:cs typeface="Arial" panose="020B0604020202020204" pitchFamily="34" charset="0"/>
+                  </a:rPr>
+                  <a:t>Reapply </a:t>
+                </a:r>
+                <a:r>
+                  <a:rPr lang="en-GB" sz="1200" i="1" dirty="0" smtClean="0">
+                    <a:latin typeface="Arial" panose="020B0604020202020204" pitchFamily="34" charset="0"/>
+                    <a:ea typeface="Open Sans" panose="020B0606030504020204" pitchFamily="34" charset="0"/>
+                    <a:cs typeface="Arial" panose="020B0604020202020204" pitchFamily="34" charset="0"/>
+                  </a:rPr>
+                  <a:t>Distraction</a:t>
+                </a:r>
+                <a:r>
+                  <a:rPr lang="en-GB" sz="1200" dirty="0" smtClean="0">
+                    <a:latin typeface="Arial" panose="020B0604020202020204" pitchFamily="34" charset="0"/>
+                    <a:ea typeface="Open Sans" panose="020B0606030504020204" pitchFamily="34" charset="0"/>
+                    <a:cs typeface="Arial" panose="020B0604020202020204" pitchFamily="34" charset="0"/>
+                  </a:rPr>
+                  <a:t>, </a:t>
+                </a:r>
+                <a:r>
+                  <a:rPr lang="en-GB" sz="1200" i="1" dirty="0" smtClean="0">
+                    <a:latin typeface="Arial" panose="020B0604020202020204" pitchFamily="34" charset="0"/>
+                    <a:ea typeface="Open Sans" panose="020B0606030504020204" pitchFamily="34" charset="0"/>
+                    <a:cs typeface="Arial" panose="020B0604020202020204" pitchFamily="34" charset="0"/>
+                  </a:rPr>
+                  <a:t>Distancing</a:t>
+                </a:r>
+                <a:r>
+                  <a:rPr lang="en-GB" sz="1200" dirty="0" smtClean="0">
+                    <a:latin typeface="Arial" panose="020B0604020202020204" pitchFamily="34" charset="0"/>
+                    <a:ea typeface="Open Sans" panose="020B0606030504020204" pitchFamily="34" charset="0"/>
+                    <a:cs typeface="Arial" panose="020B0604020202020204" pitchFamily="34" charset="0"/>
+                  </a:rPr>
+                  <a:t>, or </a:t>
+                </a:r>
+                <a:r>
+                  <a:rPr lang="en-GB" sz="1200" i="1" dirty="0" smtClean="0">
+                    <a:latin typeface="Arial" panose="020B0604020202020204" pitchFamily="34" charset="0"/>
+                    <a:ea typeface="Open Sans" panose="020B0606030504020204" pitchFamily="34" charset="0"/>
+                    <a:cs typeface="Arial" panose="020B0604020202020204" pitchFamily="34" charset="0"/>
+                  </a:rPr>
+                  <a:t>Expressive suppression</a:t>
+                </a:r>
+                <a:endParaRPr lang="en-GB" sz="1200" i="1" dirty="0">
                   <a:latin typeface="Arial" panose="020B0604020202020204" pitchFamily="34" charset="0"/>
                   <a:ea typeface="Open Sans" panose="020B0606030504020204" pitchFamily="34" charset="0"/>
                   <a:cs typeface="Arial" panose="020B0604020202020204" pitchFamily="34" charset="0"/>
-                </a:rPr>
-                <a:t>pictures</a:t>
-              </a:r>
-              <a:endParaRPr lang="en-GB" sz="1200" dirty="0">
-                <a:latin typeface="Arial" panose="020B0604020202020204" pitchFamily="34" charset="0"/>
-                <a:ea typeface="Open Sans" panose="020B0606030504020204" pitchFamily="34" charset="0"/>
-                <a:cs typeface="Arial" panose="020B0604020202020204" pitchFamily="34" charset="0"/>
-              </a:endParaRPr>
-            </a:p>
-          </p:txBody>
-        </p:sp>
-        <p:sp>
-          <p:nvSpPr>
-            <p:cNvPr id="6" name="Textfeld 5"/>
-            <p:cNvSpPr txBox="1"/>
-            <p:nvPr/>
-          </p:nvSpPr>
-          <p:spPr>
-            <a:xfrm>
-              <a:off x="2735999" y="4202328"/>
-              <a:ext cx="3672000" cy="461665"/>
-            </a:xfrm>
-            <a:prstGeom prst="rect">
-              <a:avLst/>
-            </a:prstGeom>
-            <a:noFill/>
-            <a:ln w="12700">
+                </a:endParaRPr>
+              </a:p>
+            </p:txBody>
+          </p:sp>
+          <p:cxnSp>
+            <p:nvCxnSpPr>
+              <p:cNvPr id="12" name="Gerade Verbindung mit Pfeil 11"/>
+              <p:cNvCxnSpPr>
+                <a:stCxn id="4" idx="2"/>
+                <a:endCxn id="5" idx="0"/>
+              </p:cNvCxnSpPr>
+              <p:nvPr/>
+            </p:nvCxnSpPr>
+            <p:spPr>
+              <a:xfrm>
+                <a:off x="4571999" y="1550007"/>
+                <a:ext cx="0" cy="567955"/>
+              </a:xfrm>
+              <a:prstGeom prst="straightConnector1">
+                <a:avLst/>
+              </a:prstGeom>
+              <a:ln w="6350">
+                <a:solidFill>
+                  <a:schemeClr val="tx1"/>
+                </a:solidFill>
+                <a:headEnd type="none" w="med" len="med"/>
+                <a:tailEnd type="triangle" w="med" len="med"/>
+              </a:ln>
+            </p:spPr>
+            <p:style>
+              <a:lnRef idx="1">
+                <a:schemeClr val="accent1"/>
+              </a:lnRef>
+              <a:fillRef idx="0">
+                <a:schemeClr val="accent1"/>
+              </a:fillRef>
+              <a:effectRef idx="0">
+                <a:schemeClr val="accent1"/>
+              </a:effectRef>
+              <a:fontRef idx="minor">
+                <a:schemeClr val="tx1"/>
+              </a:fontRef>
+            </p:style>
+          </p:cxnSp>
+          <p:sp>
+            <p:nvSpPr>
+              <p:cNvPr id="2" name="Textfeld 1"/>
+              <p:cNvSpPr txBox="1"/>
+              <p:nvPr/>
+            </p:nvSpPr>
+            <p:spPr>
+              <a:xfrm rot="16200000">
+                <a:off x="1660991" y="4282100"/>
+                <a:ext cx="1584176" cy="276999"/>
+              </a:xfrm>
+              <a:prstGeom prst="rect">
+                <a:avLst/>
+              </a:prstGeom>
               <a:solidFill>
-                <a:schemeClr val="tx1"/>
+                <a:schemeClr val="bg1"/>
               </a:solidFill>
-            </a:ln>
-          </p:spPr>
-          <p:txBody>
-            <a:bodyPr wrap="square" rtlCol="0" anchor="ctr">
-              <a:spAutoFit/>
-            </a:bodyPr>
-            <a:lstStyle/>
-            <a:p>
-              <a:pPr algn="ctr"/>
-              <a:r>
-                <a:rPr lang="en-GB" sz="1200" dirty="0">
+              <a:ln>
+                <a:solidFill>
+                  <a:schemeClr val="tx1">
+                    <a:lumMod val="95000"/>
+                    <a:lumOff val="5000"/>
+                  </a:schemeClr>
+                </a:solidFill>
+              </a:ln>
+            </p:spPr>
+            <p:txBody>
+              <a:bodyPr wrap="square" rtlCol="0">
+                <a:spAutoFit/>
+              </a:bodyPr>
+              <a:lstStyle/>
+              <a:p>
+                <a:pPr algn="ctr"/>
+                <a:r>
+                  <a:rPr lang="de-DE" sz="1200" dirty="0" err="1" smtClean="0">
+                    <a:latin typeface="Arial" panose="020B0604020202020204" pitchFamily="34" charset="0"/>
+                    <a:cs typeface="Arial" panose="020B0604020202020204" pitchFamily="34" charset="0"/>
+                  </a:rPr>
+                  <a:t>randomized</a:t>
+                </a:r>
+                <a:r>
+                  <a:rPr lang="de-DE" sz="1200" dirty="0" smtClean="0">
+                    <a:latin typeface="Arial" panose="020B0604020202020204" pitchFamily="34" charset="0"/>
+                    <a:cs typeface="Arial" panose="020B0604020202020204" pitchFamily="34" charset="0"/>
+                  </a:rPr>
+                  <a:t> </a:t>
+                </a:r>
+                <a:r>
+                  <a:rPr lang="de-DE" sz="1200" dirty="0" err="1" smtClean="0">
+                    <a:latin typeface="Arial" panose="020B0604020202020204" pitchFamily="34" charset="0"/>
+                    <a:cs typeface="Arial" panose="020B0604020202020204" pitchFamily="34" charset="0"/>
+                  </a:rPr>
+                  <a:t>order</a:t>
+                </a:r>
+                <a:endParaRPr lang="de-DE" sz="1200" dirty="0">
+                  <a:latin typeface="Arial" panose="020B0604020202020204" pitchFamily="34" charset="0"/>
+                  <a:cs typeface="Arial" panose="020B0604020202020204" pitchFamily="34" charset="0"/>
+                </a:endParaRPr>
+              </a:p>
+            </p:txBody>
+          </p:sp>
+          <p:sp>
+            <p:nvSpPr>
+              <p:cNvPr id="29" name="Abgerundetes Rechteck 28"/>
+              <p:cNvSpPr/>
+              <p:nvPr/>
+            </p:nvSpPr>
+            <p:spPr>
+              <a:xfrm>
+                <a:off x="3581788" y="2639897"/>
+                <a:ext cx="1980422" cy="376481"/>
+              </a:xfrm>
+              <a:prstGeom prst="roundRect">
+                <a:avLst/>
+              </a:prstGeom>
+              <a:solidFill>
+                <a:schemeClr val="bg1"/>
+              </a:solidFill>
+              <a:ln w="6350">
+                <a:solidFill>
+                  <a:schemeClr val="tx1"/>
+                </a:solidFill>
+              </a:ln>
+            </p:spPr>
+            <p:style>
+              <a:lnRef idx="2">
+                <a:schemeClr val="accent1">
+                  <a:shade val="50000"/>
+                </a:schemeClr>
+              </a:lnRef>
+              <a:fillRef idx="1">
+                <a:schemeClr val="accent1"/>
+              </a:fillRef>
+              <a:effectRef idx="0">
+                <a:schemeClr val="accent1"/>
+              </a:effectRef>
+              <a:fontRef idx="minor">
+                <a:schemeClr val="lt1"/>
+              </a:fontRef>
+            </p:style>
+            <p:txBody>
+              <a:bodyPr rtlCol="0" anchor="ctr"/>
+              <a:lstStyle/>
+              <a:p>
+                <a:pPr algn="ctr"/>
+                <a:r>
+                  <a:rPr lang="de-DE" sz="1200" dirty="0" err="1">
+                    <a:solidFill>
+                      <a:schemeClr val="tx1"/>
+                    </a:solidFill>
+                    <a:latin typeface="Arial" panose="020B0604020202020204" pitchFamily="34" charset="0"/>
+                    <a:cs typeface="Arial" panose="020B0604020202020204" pitchFamily="34" charset="0"/>
+                  </a:rPr>
+                  <a:t>subjective</a:t>
+                </a:r>
+                <a:r>
+                  <a:rPr lang="de-DE" sz="1200" dirty="0">
+                    <a:solidFill>
+                      <a:schemeClr val="tx1"/>
+                    </a:solidFill>
+                    <a:latin typeface="Arial" panose="020B0604020202020204" pitchFamily="34" charset="0"/>
+                    <a:cs typeface="Arial" panose="020B0604020202020204" pitchFamily="34" charset="0"/>
+                  </a:rPr>
+                  <a:t> </a:t>
+                </a:r>
+                <a:r>
+                  <a:rPr lang="de-DE" sz="1200" dirty="0" err="1">
+                    <a:solidFill>
+                      <a:schemeClr val="tx1"/>
+                    </a:solidFill>
+                    <a:latin typeface="Arial" panose="020B0604020202020204" pitchFamily="34" charset="0"/>
+                    <a:cs typeface="Arial" panose="020B0604020202020204" pitchFamily="34" charset="0"/>
+                  </a:rPr>
+                  <a:t>arousal</a:t>
+                </a:r>
+                <a:r>
+                  <a:rPr lang="de-DE" sz="1200" dirty="0">
+                    <a:solidFill>
+                      <a:schemeClr val="tx1"/>
+                    </a:solidFill>
+                    <a:latin typeface="Arial" panose="020B0604020202020204" pitchFamily="34" charset="0"/>
+                    <a:cs typeface="Arial" panose="020B0604020202020204" pitchFamily="34" charset="0"/>
+                  </a:rPr>
+                  <a:t> </a:t>
+                </a:r>
+                <a:r>
+                  <a:rPr lang="de-DE" sz="1200" dirty="0" err="1">
+                    <a:solidFill>
+                      <a:schemeClr val="tx1"/>
+                    </a:solidFill>
+                    <a:latin typeface="Arial" panose="020B0604020202020204" pitchFamily="34" charset="0"/>
+                    <a:cs typeface="Arial" panose="020B0604020202020204" pitchFamily="34" charset="0"/>
+                  </a:rPr>
+                  <a:t>and</a:t>
+                </a:r>
+                <a:r>
+                  <a:rPr lang="de-DE" sz="1200" dirty="0">
+                    <a:solidFill>
+                      <a:schemeClr val="tx1"/>
+                    </a:solidFill>
+                    <a:latin typeface="Arial" panose="020B0604020202020204" pitchFamily="34" charset="0"/>
+                    <a:cs typeface="Arial" panose="020B0604020202020204" pitchFamily="34" charset="0"/>
+                  </a:rPr>
+                  <a:t> </a:t>
+                </a:r>
+                <a:r>
+                  <a:rPr lang="de-DE" sz="1200" dirty="0" err="1">
+                    <a:solidFill>
+                      <a:schemeClr val="tx1"/>
+                    </a:solidFill>
+                    <a:latin typeface="Arial" panose="020B0604020202020204" pitchFamily="34" charset="0"/>
+                    <a:cs typeface="Arial" panose="020B0604020202020204" pitchFamily="34" charset="0"/>
+                  </a:rPr>
+                  <a:t>effort</a:t>
+                </a:r>
+                <a:r>
+                  <a:rPr lang="de-DE" sz="1200" dirty="0">
+                    <a:solidFill>
+                      <a:schemeClr val="tx1"/>
+                    </a:solidFill>
+                    <a:latin typeface="Arial" panose="020B0604020202020204" pitchFamily="34" charset="0"/>
+                    <a:cs typeface="Arial" panose="020B0604020202020204" pitchFamily="34" charset="0"/>
+                  </a:rPr>
+                  <a:t> </a:t>
+                </a:r>
+                <a:r>
+                  <a:rPr lang="de-DE" sz="1200" dirty="0" err="1">
+                    <a:solidFill>
+                      <a:schemeClr val="tx1"/>
+                    </a:solidFill>
+                    <a:latin typeface="Arial" panose="020B0604020202020204" pitchFamily="34" charset="0"/>
+                    <a:cs typeface="Arial" panose="020B0604020202020204" pitchFamily="34" charset="0"/>
+                  </a:rPr>
+                  <a:t>rating</a:t>
+                </a:r>
+                <a:endParaRPr lang="de-DE" sz="1200" dirty="0">
+                  <a:solidFill>
+                    <a:schemeClr val="tx1"/>
+                  </a:solidFill>
+                  <a:latin typeface="Arial" panose="020B0604020202020204" pitchFamily="34" charset="0"/>
+                  <a:cs typeface="Arial" panose="020B0604020202020204" pitchFamily="34" charset="0"/>
+                </a:endParaRPr>
+              </a:p>
+            </p:txBody>
+          </p:sp>
+          <p:sp>
+            <p:nvSpPr>
+              <p:cNvPr id="40" name="Abgerundetes Rechteck 39"/>
+              <p:cNvSpPr/>
+              <p:nvPr/>
+            </p:nvSpPr>
+            <p:spPr>
+              <a:xfrm>
+                <a:off x="3581788" y="4714298"/>
+                <a:ext cx="1980422" cy="376481"/>
+              </a:xfrm>
+              <a:prstGeom prst="roundRect">
+                <a:avLst/>
+              </a:prstGeom>
+              <a:solidFill>
+                <a:schemeClr val="bg1"/>
+              </a:solidFill>
+              <a:ln w="6350">
+                <a:solidFill>
+                  <a:schemeClr val="tx1"/>
+                </a:solidFill>
+              </a:ln>
+            </p:spPr>
+            <p:style>
+              <a:lnRef idx="2">
+                <a:schemeClr val="accent1">
+                  <a:shade val="50000"/>
+                </a:schemeClr>
+              </a:lnRef>
+              <a:fillRef idx="1">
+                <a:schemeClr val="accent1"/>
+              </a:fillRef>
+              <a:effectRef idx="0">
+                <a:schemeClr val="accent1"/>
+              </a:effectRef>
+              <a:fontRef idx="minor">
+                <a:schemeClr val="lt1"/>
+              </a:fontRef>
+            </p:style>
+            <p:txBody>
+              <a:bodyPr rtlCol="0" anchor="ctr"/>
+              <a:lstStyle/>
+              <a:p>
+                <a:pPr algn="ctr"/>
+                <a:r>
+                  <a:rPr lang="de-DE" sz="1200" dirty="0" err="1">
+                    <a:solidFill>
+                      <a:schemeClr val="tx1"/>
+                    </a:solidFill>
+                    <a:latin typeface="Arial" panose="020B0604020202020204" pitchFamily="34" charset="0"/>
+                    <a:cs typeface="Arial" panose="020B0604020202020204" pitchFamily="34" charset="0"/>
+                  </a:rPr>
+                  <a:t>subjective</a:t>
+                </a:r>
+                <a:r>
+                  <a:rPr lang="de-DE" sz="1200" dirty="0">
+                    <a:solidFill>
+                      <a:schemeClr val="tx1"/>
+                    </a:solidFill>
+                    <a:latin typeface="Arial" panose="020B0604020202020204" pitchFamily="34" charset="0"/>
+                    <a:cs typeface="Arial" panose="020B0604020202020204" pitchFamily="34" charset="0"/>
+                  </a:rPr>
+                  <a:t> </a:t>
+                </a:r>
+                <a:r>
+                  <a:rPr lang="de-DE" sz="1200" dirty="0" err="1">
+                    <a:solidFill>
+                      <a:schemeClr val="tx1"/>
+                    </a:solidFill>
+                    <a:latin typeface="Arial" panose="020B0604020202020204" pitchFamily="34" charset="0"/>
+                    <a:cs typeface="Arial" panose="020B0604020202020204" pitchFamily="34" charset="0"/>
+                  </a:rPr>
+                  <a:t>arousal</a:t>
+                </a:r>
+                <a:r>
+                  <a:rPr lang="de-DE" sz="1200" dirty="0">
+                    <a:solidFill>
+                      <a:schemeClr val="tx1"/>
+                    </a:solidFill>
+                    <a:latin typeface="Arial" panose="020B0604020202020204" pitchFamily="34" charset="0"/>
+                    <a:cs typeface="Arial" panose="020B0604020202020204" pitchFamily="34" charset="0"/>
+                  </a:rPr>
+                  <a:t> </a:t>
+                </a:r>
+                <a:r>
+                  <a:rPr lang="de-DE" sz="1200" dirty="0" err="1">
+                    <a:solidFill>
+                      <a:schemeClr val="tx1"/>
+                    </a:solidFill>
+                    <a:latin typeface="Arial" panose="020B0604020202020204" pitchFamily="34" charset="0"/>
+                    <a:cs typeface="Arial" panose="020B0604020202020204" pitchFamily="34" charset="0"/>
+                  </a:rPr>
+                  <a:t>and</a:t>
+                </a:r>
+                <a:r>
+                  <a:rPr lang="de-DE" sz="1200" dirty="0">
+                    <a:solidFill>
+                      <a:schemeClr val="tx1"/>
+                    </a:solidFill>
+                    <a:latin typeface="Arial" panose="020B0604020202020204" pitchFamily="34" charset="0"/>
+                    <a:cs typeface="Arial" panose="020B0604020202020204" pitchFamily="34" charset="0"/>
+                  </a:rPr>
+                  <a:t> </a:t>
+                </a:r>
+                <a:r>
+                  <a:rPr lang="de-DE" sz="1200" dirty="0" err="1">
+                    <a:solidFill>
+                      <a:schemeClr val="tx1"/>
+                    </a:solidFill>
+                    <a:latin typeface="Arial" panose="020B0604020202020204" pitchFamily="34" charset="0"/>
+                    <a:cs typeface="Arial" panose="020B0604020202020204" pitchFamily="34" charset="0"/>
+                  </a:rPr>
+                  <a:t>effort</a:t>
+                </a:r>
+                <a:r>
+                  <a:rPr lang="de-DE" sz="1200" dirty="0">
+                    <a:solidFill>
+                      <a:schemeClr val="tx1"/>
+                    </a:solidFill>
+                    <a:latin typeface="Arial" panose="020B0604020202020204" pitchFamily="34" charset="0"/>
+                    <a:cs typeface="Arial" panose="020B0604020202020204" pitchFamily="34" charset="0"/>
+                  </a:rPr>
+                  <a:t> </a:t>
+                </a:r>
+                <a:r>
+                  <a:rPr lang="de-DE" sz="1200" dirty="0" err="1">
+                    <a:solidFill>
+                      <a:schemeClr val="tx1"/>
+                    </a:solidFill>
+                    <a:latin typeface="Arial" panose="020B0604020202020204" pitchFamily="34" charset="0"/>
+                    <a:cs typeface="Arial" panose="020B0604020202020204" pitchFamily="34" charset="0"/>
+                  </a:rPr>
+                  <a:t>rating</a:t>
+                </a:r>
+                <a:endParaRPr lang="de-DE" sz="1200" dirty="0">
+                  <a:solidFill>
+                    <a:schemeClr val="tx1"/>
+                  </a:solidFill>
+                  <a:latin typeface="Arial" panose="020B0604020202020204" pitchFamily="34" charset="0"/>
+                  <a:cs typeface="Arial" panose="020B0604020202020204" pitchFamily="34" charset="0"/>
+                </a:endParaRPr>
+              </a:p>
+            </p:txBody>
+          </p:sp>
+          <p:sp>
+            <p:nvSpPr>
+              <p:cNvPr id="45" name="Abgerundetes Rechteck 44"/>
+              <p:cNvSpPr/>
+              <p:nvPr/>
+            </p:nvSpPr>
+            <p:spPr>
+              <a:xfrm>
+                <a:off x="3581788" y="3669274"/>
+                <a:ext cx="1980422" cy="376481"/>
+              </a:xfrm>
+              <a:prstGeom prst="roundRect">
+                <a:avLst/>
+              </a:prstGeom>
+              <a:solidFill>
+                <a:schemeClr val="bg1"/>
+              </a:solidFill>
+              <a:ln w="6350">
+                <a:solidFill>
+                  <a:schemeClr val="tx1"/>
+                </a:solidFill>
+              </a:ln>
+            </p:spPr>
+            <p:style>
+              <a:lnRef idx="2">
+                <a:schemeClr val="accent1">
+                  <a:shade val="50000"/>
+                </a:schemeClr>
+              </a:lnRef>
+              <a:fillRef idx="1">
+                <a:schemeClr val="accent1"/>
+              </a:fillRef>
+              <a:effectRef idx="0">
+                <a:schemeClr val="accent1"/>
+              </a:effectRef>
+              <a:fontRef idx="minor">
+                <a:schemeClr val="lt1"/>
+              </a:fontRef>
+            </p:style>
+            <p:txBody>
+              <a:bodyPr rtlCol="0" anchor="ctr"/>
+              <a:lstStyle/>
+              <a:p>
+                <a:pPr algn="ctr"/>
+                <a:r>
+                  <a:rPr lang="de-DE" sz="1200" dirty="0" err="1">
+                    <a:solidFill>
+                      <a:schemeClr val="tx1"/>
+                    </a:solidFill>
+                    <a:latin typeface="Arial" panose="020B0604020202020204" pitchFamily="34" charset="0"/>
+                    <a:cs typeface="Arial" panose="020B0604020202020204" pitchFamily="34" charset="0"/>
+                  </a:rPr>
+                  <a:t>subjective</a:t>
+                </a:r>
+                <a:r>
+                  <a:rPr lang="de-DE" sz="1200" dirty="0">
+                    <a:solidFill>
+                      <a:schemeClr val="tx1"/>
+                    </a:solidFill>
+                    <a:latin typeface="Arial" panose="020B0604020202020204" pitchFamily="34" charset="0"/>
+                    <a:cs typeface="Arial" panose="020B0604020202020204" pitchFamily="34" charset="0"/>
+                  </a:rPr>
+                  <a:t> </a:t>
+                </a:r>
+                <a:r>
+                  <a:rPr lang="de-DE" sz="1200" dirty="0" err="1">
+                    <a:solidFill>
+                      <a:schemeClr val="tx1"/>
+                    </a:solidFill>
+                    <a:latin typeface="Arial" panose="020B0604020202020204" pitchFamily="34" charset="0"/>
+                    <a:cs typeface="Arial" panose="020B0604020202020204" pitchFamily="34" charset="0"/>
+                  </a:rPr>
+                  <a:t>arousal</a:t>
+                </a:r>
+                <a:r>
+                  <a:rPr lang="de-DE" sz="1200" dirty="0">
+                    <a:solidFill>
+                      <a:schemeClr val="tx1"/>
+                    </a:solidFill>
+                    <a:latin typeface="Arial" panose="020B0604020202020204" pitchFamily="34" charset="0"/>
+                    <a:cs typeface="Arial" panose="020B0604020202020204" pitchFamily="34" charset="0"/>
+                  </a:rPr>
+                  <a:t> </a:t>
+                </a:r>
+                <a:r>
+                  <a:rPr lang="de-DE" sz="1200" dirty="0" err="1">
+                    <a:solidFill>
+                      <a:schemeClr val="tx1"/>
+                    </a:solidFill>
+                    <a:latin typeface="Arial" panose="020B0604020202020204" pitchFamily="34" charset="0"/>
+                    <a:cs typeface="Arial" panose="020B0604020202020204" pitchFamily="34" charset="0"/>
+                  </a:rPr>
+                  <a:t>and</a:t>
+                </a:r>
+                <a:r>
+                  <a:rPr lang="de-DE" sz="1200" dirty="0">
+                    <a:solidFill>
+                      <a:schemeClr val="tx1"/>
+                    </a:solidFill>
+                    <a:latin typeface="Arial" panose="020B0604020202020204" pitchFamily="34" charset="0"/>
+                    <a:cs typeface="Arial" panose="020B0604020202020204" pitchFamily="34" charset="0"/>
+                  </a:rPr>
+                  <a:t> </a:t>
+                </a:r>
+                <a:r>
+                  <a:rPr lang="de-DE" sz="1200" dirty="0" err="1">
+                    <a:solidFill>
+                      <a:schemeClr val="tx1"/>
+                    </a:solidFill>
+                    <a:latin typeface="Arial" panose="020B0604020202020204" pitchFamily="34" charset="0"/>
+                    <a:cs typeface="Arial" panose="020B0604020202020204" pitchFamily="34" charset="0"/>
+                  </a:rPr>
+                  <a:t>effort</a:t>
+                </a:r>
+                <a:r>
+                  <a:rPr lang="de-DE" sz="1200" dirty="0">
+                    <a:solidFill>
+                      <a:schemeClr val="tx1"/>
+                    </a:solidFill>
+                    <a:latin typeface="Arial" panose="020B0604020202020204" pitchFamily="34" charset="0"/>
+                    <a:cs typeface="Arial" panose="020B0604020202020204" pitchFamily="34" charset="0"/>
+                  </a:rPr>
+                  <a:t> </a:t>
+                </a:r>
+                <a:r>
+                  <a:rPr lang="de-DE" sz="1200" dirty="0" err="1">
+                    <a:solidFill>
+                      <a:schemeClr val="tx1"/>
+                    </a:solidFill>
+                    <a:latin typeface="Arial" panose="020B0604020202020204" pitchFamily="34" charset="0"/>
+                    <a:cs typeface="Arial" panose="020B0604020202020204" pitchFamily="34" charset="0"/>
+                  </a:rPr>
+                  <a:t>rating</a:t>
+                </a:r>
+                <a:endParaRPr lang="de-DE" sz="1200" dirty="0">
+                  <a:solidFill>
+                    <a:schemeClr val="tx1"/>
+                  </a:solidFill>
+                  <a:latin typeface="Arial" panose="020B0604020202020204" pitchFamily="34" charset="0"/>
+                  <a:cs typeface="Arial" panose="020B0604020202020204" pitchFamily="34" charset="0"/>
+                </a:endParaRPr>
+              </a:p>
+            </p:txBody>
+          </p:sp>
+          <p:sp>
+            <p:nvSpPr>
+              <p:cNvPr id="46" name="Abgerundetes Rechteck 45"/>
+              <p:cNvSpPr/>
+              <p:nvPr/>
+            </p:nvSpPr>
+            <p:spPr>
+              <a:xfrm>
+                <a:off x="3581788" y="5756329"/>
+                <a:ext cx="1980422" cy="376481"/>
+              </a:xfrm>
+              <a:prstGeom prst="roundRect">
+                <a:avLst/>
+              </a:prstGeom>
+              <a:solidFill>
+                <a:schemeClr val="bg1"/>
+              </a:solidFill>
+              <a:ln w="6350">
+                <a:solidFill>
+                  <a:schemeClr val="tx1"/>
+                </a:solidFill>
+              </a:ln>
+            </p:spPr>
+            <p:style>
+              <a:lnRef idx="2">
+                <a:schemeClr val="accent1">
+                  <a:shade val="50000"/>
+                </a:schemeClr>
+              </a:lnRef>
+              <a:fillRef idx="1">
+                <a:schemeClr val="accent1"/>
+              </a:fillRef>
+              <a:effectRef idx="0">
+                <a:schemeClr val="accent1"/>
+              </a:effectRef>
+              <a:fontRef idx="minor">
+                <a:schemeClr val="lt1"/>
+              </a:fontRef>
+            </p:style>
+            <p:txBody>
+              <a:bodyPr rtlCol="0" anchor="ctr"/>
+              <a:lstStyle/>
+              <a:p>
+                <a:pPr algn="ctr"/>
+                <a:r>
+                  <a:rPr lang="de-DE" sz="1200" dirty="0" err="1">
+                    <a:solidFill>
+                      <a:schemeClr val="tx1"/>
+                    </a:solidFill>
+                    <a:latin typeface="Arial" panose="020B0604020202020204" pitchFamily="34" charset="0"/>
+                    <a:cs typeface="Arial" panose="020B0604020202020204" pitchFamily="34" charset="0"/>
+                  </a:rPr>
+                  <a:t>subjective</a:t>
+                </a:r>
+                <a:r>
+                  <a:rPr lang="de-DE" sz="1200" dirty="0">
+                    <a:solidFill>
+                      <a:schemeClr val="tx1"/>
+                    </a:solidFill>
+                    <a:latin typeface="Arial" panose="020B0604020202020204" pitchFamily="34" charset="0"/>
+                    <a:cs typeface="Arial" panose="020B0604020202020204" pitchFamily="34" charset="0"/>
+                  </a:rPr>
+                  <a:t> </a:t>
+                </a:r>
+                <a:r>
+                  <a:rPr lang="de-DE" sz="1200" dirty="0" err="1">
+                    <a:solidFill>
+                      <a:schemeClr val="tx1"/>
+                    </a:solidFill>
+                    <a:latin typeface="Arial" panose="020B0604020202020204" pitchFamily="34" charset="0"/>
+                    <a:cs typeface="Arial" panose="020B0604020202020204" pitchFamily="34" charset="0"/>
+                  </a:rPr>
+                  <a:t>arousal</a:t>
+                </a:r>
+                <a:r>
+                  <a:rPr lang="de-DE" sz="1200" dirty="0">
+                    <a:solidFill>
+                      <a:schemeClr val="tx1"/>
+                    </a:solidFill>
+                    <a:latin typeface="Arial" panose="020B0604020202020204" pitchFamily="34" charset="0"/>
+                    <a:cs typeface="Arial" panose="020B0604020202020204" pitchFamily="34" charset="0"/>
+                  </a:rPr>
+                  <a:t> </a:t>
+                </a:r>
+                <a:r>
+                  <a:rPr lang="de-DE" sz="1200" dirty="0" err="1">
+                    <a:solidFill>
+                      <a:schemeClr val="tx1"/>
+                    </a:solidFill>
+                    <a:latin typeface="Arial" panose="020B0604020202020204" pitchFamily="34" charset="0"/>
+                    <a:cs typeface="Arial" panose="020B0604020202020204" pitchFamily="34" charset="0"/>
+                  </a:rPr>
+                  <a:t>and</a:t>
+                </a:r>
+                <a:r>
+                  <a:rPr lang="de-DE" sz="1200" dirty="0">
+                    <a:solidFill>
+                      <a:schemeClr val="tx1"/>
+                    </a:solidFill>
+                    <a:latin typeface="Arial" panose="020B0604020202020204" pitchFamily="34" charset="0"/>
+                    <a:cs typeface="Arial" panose="020B0604020202020204" pitchFamily="34" charset="0"/>
+                  </a:rPr>
+                  <a:t> </a:t>
+                </a:r>
+                <a:r>
+                  <a:rPr lang="de-DE" sz="1200" dirty="0" err="1">
+                    <a:solidFill>
+                      <a:schemeClr val="tx1"/>
+                    </a:solidFill>
+                    <a:latin typeface="Arial" panose="020B0604020202020204" pitchFamily="34" charset="0"/>
+                    <a:cs typeface="Arial" panose="020B0604020202020204" pitchFamily="34" charset="0"/>
+                  </a:rPr>
+                  <a:t>effort</a:t>
+                </a:r>
+                <a:r>
+                  <a:rPr lang="de-DE" sz="1200" dirty="0">
+                    <a:solidFill>
+                      <a:schemeClr val="tx1"/>
+                    </a:solidFill>
+                    <a:latin typeface="Arial" panose="020B0604020202020204" pitchFamily="34" charset="0"/>
+                    <a:cs typeface="Arial" panose="020B0604020202020204" pitchFamily="34" charset="0"/>
+                  </a:rPr>
+                  <a:t> </a:t>
+                </a:r>
+                <a:r>
+                  <a:rPr lang="de-DE" sz="1200" dirty="0" err="1">
+                    <a:solidFill>
+                      <a:schemeClr val="tx1"/>
+                    </a:solidFill>
+                    <a:latin typeface="Arial" panose="020B0604020202020204" pitchFamily="34" charset="0"/>
+                    <a:cs typeface="Arial" panose="020B0604020202020204" pitchFamily="34" charset="0"/>
+                  </a:rPr>
+                  <a:t>rating</a:t>
+                </a:r>
+                <a:endParaRPr lang="de-DE" sz="1200" dirty="0">
+                  <a:solidFill>
+                    <a:schemeClr val="tx1"/>
+                  </a:solidFill>
+                  <a:latin typeface="Arial" panose="020B0604020202020204" pitchFamily="34" charset="0"/>
+                  <a:cs typeface="Arial" panose="020B0604020202020204" pitchFamily="34" charset="0"/>
+                </a:endParaRPr>
+              </a:p>
+            </p:txBody>
+          </p:sp>
+          <p:sp>
+            <p:nvSpPr>
+              <p:cNvPr id="57" name="Abgerundetes Rechteck 56"/>
+              <p:cNvSpPr/>
+              <p:nvPr/>
+            </p:nvSpPr>
+            <p:spPr>
+              <a:xfrm>
+                <a:off x="3581787" y="7776204"/>
+                <a:ext cx="1980422" cy="376481"/>
+              </a:xfrm>
+              <a:prstGeom prst="roundRect">
+                <a:avLst/>
+              </a:prstGeom>
+              <a:solidFill>
+                <a:schemeClr val="bg1"/>
+              </a:solidFill>
+              <a:ln w="6350">
+                <a:solidFill>
+                  <a:schemeClr val="tx1"/>
+                </a:solidFill>
+              </a:ln>
+            </p:spPr>
+            <p:style>
+              <a:lnRef idx="2">
+                <a:schemeClr val="accent1">
+                  <a:shade val="50000"/>
+                </a:schemeClr>
+              </a:lnRef>
+              <a:fillRef idx="1">
+                <a:schemeClr val="accent1"/>
+              </a:fillRef>
+              <a:effectRef idx="0">
+                <a:schemeClr val="accent1"/>
+              </a:effectRef>
+              <a:fontRef idx="minor">
+                <a:schemeClr val="lt1"/>
+              </a:fontRef>
+            </p:style>
+            <p:txBody>
+              <a:bodyPr rtlCol="0" anchor="ctr"/>
+              <a:lstStyle/>
+              <a:p>
+                <a:pPr algn="ctr"/>
+                <a:r>
+                  <a:rPr lang="de-DE" sz="1200" dirty="0" err="1">
+                    <a:solidFill>
+                      <a:schemeClr val="tx1"/>
+                    </a:solidFill>
+                    <a:latin typeface="Arial" panose="020B0604020202020204" pitchFamily="34" charset="0"/>
+                    <a:cs typeface="Arial" panose="020B0604020202020204" pitchFamily="34" charset="0"/>
+                  </a:rPr>
+                  <a:t>subjective</a:t>
+                </a:r>
+                <a:r>
+                  <a:rPr lang="de-DE" sz="1200" dirty="0">
+                    <a:solidFill>
+                      <a:schemeClr val="tx1"/>
+                    </a:solidFill>
+                    <a:latin typeface="Arial" panose="020B0604020202020204" pitchFamily="34" charset="0"/>
+                    <a:cs typeface="Arial" panose="020B0604020202020204" pitchFamily="34" charset="0"/>
+                  </a:rPr>
+                  <a:t> </a:t>
+                </a:r>
+                <a:r>
+                  <a:rPr lang="de-DE" sz="1200" dirty="0" err="1">
+                    <a:solidFill>
+                      <a:schemeClr val="tx1"/>
+                    </a:solidFill>
+                    <a:latin typeface="Arial" panose="020B0604020202020204" pitchFamily="34" charset="0"/>
+                    <a:cs typeface="Arial" panose="020B0604020202020204" pitchFamily="34" charset="0"/>
+                  </a:rPr>
+                  <a:t>arousal</a:t>
+                </a:r>
+                <a:r>
+                  <a:rPr lang="de-DE" sz="1200" dirty="0">
+                    <a:solidFill>
+                      <a:schemeClr val="tx1"/>
+                    </a:solidFill>
+                    <a:latin typeface="Arial" panose="020B0604020202020204" pitchFamily="34" charset="0"/>
+                    <a:cs typeface="Arial" panose="020B0604020202020204" pitchFamily="34" charset="0"/>
+                  </a:rPr>
+                  <a:t> </a:t>
+                </a:r>
+                <a:r>
+                  <a:rPr lang="de-DE" sz="1200" dirty="0" err="1">
+                    <a:solidFill>
+                      <a:schemeClr val="tx1"/>
+                    </a:solidFill>
+                    <a:latin typeface="Arial" panose="020B0604020202020204" pitchFamily="34" charset="0"/>
+                    <a:cs typeface="Arial" panose="020B0604020202020204" pitchFamily="34" charset="0"/>
+                  </a:rPr>
+                  <a:t>and</a:t>
+                </a:r>
+                <a:r>
+                  <a:rPr lang="de-DE" sz="1200" dirty="0">
+                    <a:solidFill>
+                      <a:schemeClr val="tx1"/>
+                    </a:solidFill>
+                    <a:latin typeface="Arial" panose="020B0604020202020204" pitchFamily="34" charset="0"/>
+                    <a:cs typeface="Arial" panose="020B0604020202020204" pitchFamily="34" charset="0"/>
+                  </a:rPr>
+                  <a:t> </a:t>
+                </a:r>
+                <a:r>
+                  <a:rPr lang="de-DE" sz="1200" dirty="0" err="1">
+                    <a:solidFill>
+                      <a:schemeClr val="tx1"/>
+                    </a:solidFill>
+                    <a:latin typeface="Arial" panose="020B0604020202020204" pitchFamily="34" charset="0"/>
+                    <a:cs typeface="Arial" panose="020B0604020202020204" pitchFamily="34" charset="0"/>
+                  </a:rPr>
+                  <a:t>effort</a:t>
+                </a:r>
+                <a:r>
+                  <a:rPr lang="de-DE" sz="1200" dirty="0">
+                    <a:solidFill>
+                      <a:schemeClr val="tx1"/>
+                    </a:solidFill>
+                    <a:latin typeface="Arial" panose="020B0604020202020204" pitchFamily="34" charset="0"/>
+                    <a:cs typeface="Arial" panose="020B0604020202020204" pitchFamily="34" charset="0"/>
+                  </a:rPr>
+                  <a:t> </a:t>
+                </a:r>
+                <a:r>
+                  <a:rPr lang="de-DE" sz="1200" dirty="0" err="1">
+                    <a:solidFill>
+                      <a:schemeClr val="tx1"/>
+                    </a:solidFill>
+                    <a:latin typeface="Arial" panose="020B0604020202020204" pitchFamily="34" charset="0"/>
+                    <a:cs typeface="Arial" panose="020B0604020202020204" pitchFamily="34" charset="0"/>
+                  </a:rPr>
+                  <a:t>rating</a:t>
+                </a:r>
+                <a:endParaRPr lang="de-DE" sz="1200" dirty="0">
+                  <a:solidFill>
+                    <a:schemeClr val="tx1"/>
+                  </a:solidFill>
+                  <a:latin typeface="Arial" panose="020B0604020202020204" pitchFamily="34" charset="0"/>
+                  <a:cs typeface="Arial" panose="020B0604020202020204" pitchFamily="34" charset="0"/>
+                </a:endParaRPr>
+              </a:p>
+            </p:txBody>
+          </p:sp>
+          <p:sp>
+            <p:nvSpPr>
+              <p:cNvPr id="52" name="Textfeld 51"/>
+              <p:cNvSpPr txBox="1"/>
+              <p:nvPr/>
+            </p:nvSpPr>
+            <p:spPr>
+              <a:xfrm>
+                <a:off x="2735998" y="6274538"/>
+                <a:ext cx="3672001" cy="646331"/>
+              </a:xfrm>
+              <a:prstGeom prst="rect">
+                <a:avLst/>
+              </a:prstGeom>
+              <a:solidFill>
+                <a:schemeClr val="bg1"/>
+              </a:solidFill>
+              <a:ln w="12700">
+                <a:solidFill>
+                  <a:schemeClr val="tx1"/>
+                </a:solidFill>
+              </a:ln>
+            </p:spPr>
+            <p:txBody>
+              <a:bodyPr wrap="square" rtlCol="0" anchor="ctr">
+                <a:spAutoFit/>
+              </a:bodyPr>
+              <a:lstStyle/>
+              <a:p>
+                <a:pPr algn="ctr"/>
+                <a:r>
+                  <a:rPr lang="en-GB" sz="1200" dirty="0" smtClean="0">
+                    <a:latin typeface="Arial" panose="020B0604020202020204" pitchFamily="34" charset="0"/>
+                    <a:ea typeface="Open Sans" panose="020B0606030504020204" pitchFamily="34" charset="0"/>
+                    <a:cs typeface="Arial" panose="020B0604020202020204" pitchFamily="34" charset="0"/>
+                  </a:rPr>
+                  <a:t>Effort Discounting Procedure</a:t>
+                </a:r>
+              </a:p>
+              <a:p>
+                <a:pPr algn="ctr"/>
+                <a:r>
+                  <a:rPr lang="en-GB" sz="1200" dirty="0" smtClean="0">
+                    <a:latin typeface="Arial" panose="020B0604020202020204" pitchFamily="34" charset="0"/>
+                    <a:ea typeface="Open Sans" panose="020B0606030504020204" pitchFamily="34" charset="0"/>
+                    <a:cs typeface="Arial" panose="020B0604020202020204" pitchFamily="34" charset="0"/>
+                  </a:rPr>
+                  <a:t>Pairwise comparison of the strategies </a:t>
+                </a:r>
+                <a:r>
+                  <a:rPr lang="en-GB" sz="1200" i="1" dirty="0" smtClean="0">
+                    <a:latin typeface="Arial" panose="020B0604020202020204" pitchFamily="34" charset="0"/>
+                    <a:ea typeface="Open Sans" panose="020B0606030504020204" pitchFamily="34" charset="0"/>
+                    <a:cs typeface="Arial" panose="020B0604020202020204" pitchFamily="34" charset="0"/>
+                  </a:rPr>
+                  <a:t>Distraction</a:t>
+                </a:r>
+                <a:r>
+                  <a:rPr lang="en-GB" sz="1200" dirty="0" smtClean="0">
+                    <a:latin typeface="Arial" panose="020B0604020202020204" pitchFamily="34" charset="0"/>
+                    <a:ea typeface="Open Sans" panose="020B0606030504020204" pitchFamily="34" charset="0"/>
+                    <a:cs typeface="Arial" panose="020B0604020202020204" pitchFamily="34" charset="0"/>
+                  </a:rPr>
+                  <a:t>, </a:t>
+                </a:r>
+                <a:r>
+                  <a:rPr lang="en-GB" sz="1200" i="1" dirty="0" smtClean="0">
+                    <a:latin typeface="Arial" panose="020B0604020202020204" pitchFamily="34" charset="0"/>
+                    <a:ea typeface="Open Sans" panose="020B0606030504020204" pitchFamily="34" charset="0"/>
+                    <a:cs typeface="Arial" panose="020B0604020202020204" pitchFamily="34" charset="0"/>
+                  </a:rPr>
+                  <a:t>Distancing</a:t>
+                </a:r>
+                <a:r>
+                  <a:rPr lang="en-GB" sz="1200" dirty="0" smtClean="0">
+                    <a:latin typeface="Arial" panose="020B0604020202020204" pitchFamily="34" charset="0"/>
+                    <a:ea typeface="Open Sans" panose="020B0606030504020204" pitchFamily="34" charset="0"/>
+                    <a:cs typeface="Arial" panose="020B0604020202020204" pitchFamily="34" charset="0"/>
+                  </a:rPr>
+                  <a:t>, and </a:t>
+                </a:r>
+                <a:r>
+                  <a:rPr lang="en-GB" sz="1200" i="1" dirty="0" smtClean="0">
+                    <a:latin typeface="Arial" panose="020B0604020202020204" pitchFamily="34" charset="0"/>
+                    <a:ea typeface="Open Sans" panose="020B0606030504020204" pitchFamily="34" charset="0"/>
+                    <a:cs typeface="Arial" panose="020B0604020202020204" pitchFamily="34" charset="0"/>
+                  </a:rPr>
+                  <a:t>Expressive suppression</a:t>
+                </a:r>
+                <a:endParaRPr lang="en-GB" sz="1200" i="1" dirty="0">
                   <a:latin typeface="Arial" panose="020B0604020202020204" pitchFamily="34" charset="0"/>
                   <a:ea typeface="Open Sans" panose="020B0606030504020204" pitchFamily="34" charset="0"/>
                   <a:cs typeface="Arial" panose="020B0604020202020204" pitchFamily="34" charset="0"/>
-                </a:rPr>
-                <a:t>Block </a:t>
-              </a:r>
-              <a:r>
-                <a:rPr lang="en-GB" sz="1200" dirty="0" smtClean="0">
-                  <a:latin typeface="Arial" panose="020B0604020202020204" pitchFamily="34" charset="0"/>
-                  <a:ea typeface="Open Sans" panose="020B0606030504020204" pitchFamily="34" charset="0"/>
-                  <a:cs typeface="Arial" panose="020B0604020202020204" pitchFamily="34" charset="0"/>
-                </a:rPr>
-                <a:t>4 </a:t>
-              </a:r>
-              <a:r>
-                <a:rPr lang="en-GB" sz="1200" dirty="0">
-                  <a:latin typeface="Arial" panose="020B0604020202020204" pitchFamily="34" charset="0"/>
-                  <a:ea typeface="Open Sans" panose="020B0606030504020204" pitchFamily="34" charset="0"/>
-                  <a:cs typeface="Arial" panose="020B0604020202020204" pitchFamily="34" charset="0"/>
-                </a:rPr>
-                <a:t>- </a:t>
-              </a:r>
-              <a:r>
-                <a:rPr lang="en-GB" sz="1200" i="1" dirty="0">
-                  <a:latin typeface="Arial" panose="020B0604020202020204" pitchFamily="34" charset="0"/>
-                  <a:ea typeface="Open Sans" panose="020B0606030504020204" pitchFamily="34" charset="0"/>
-                  <a:cs typeface="Arial" panose="020B0604020202020204" pitchFamily="34" charset="0"/>
-                </a:rPr>
-                <a:t>Distancing</a:t>
-              </a:r>
-            </a:p>
-            <a:p>
-              <a:pPr algn="ctr"/>
-              <a:r>
-                <a:rPr lang="en-GB" sz="1200" dirty="0">
-                  <a:latin typeface="Arial" panose="020B0604020202020204" pitchFamily="34" charset="0"/>
-                  <a:ea typeface="Open Sans" panose="020B0606030504020204" pitchFamily="34" charset="0"/>
-                  <a:cs typeface="Arial" panose="020B0604020202020204" pitchFamily="34" charset="0"/>
-                </a:rPr>
-                <a:t>Distancing from </a:t>
-              </a:r>
-              <a:r>
-                <a:rPr lang="en-GB" sz="1200" dirty="0" smtClean="0">
-                  <a:latin typeface="Arial" panose="020B0604020202020204" pitchFamily="34" charset="0"/>
-                  <a:ea typeface="Open Sans" panose="020B0606030504020204" pitchFamily="34" charset="0"/>
-                  <a:cs typeface="Arial" panose="020B0604020202020204" pitchFamily="34" charset="0"/>
-                </a:rPr>
-                <a:t>negative </a:t>
-              </a:r>
-              <a:r>
-                <a:rPr lang="en-GB" sz="1200" dirty="0">
-                  <a:latin typeface="Arial" panose="020B0604020202020204" pitchFamily="34" charset="0"/>
-                  <a:ea typeface="Open Sans" panose="020B0606030504020204" pitchFamily="34" charset="0"/>
-                  <a:cs typeface="Arial" panose="020B0604020202020204" pitchFamily="34" charset="0"/>
-                </a:rPr>
-                <a:t>p</a:t>
-              </a:r>
-              <a:r>
-                <a:rPr lang="en-GB" sz="1200" dirty="0">
-                  <a:latin typeface="Arial" panose="020B0604020202020204" pitchFamily="34" charset="0"/>
-                  <a:ea typeface="Open Sans" panose="020B0606030504020204" pitchFamily="34" charset="0"/>
-                  <a:cs typeface="Arial" panose="020B0604020202020204" pitchFamily="34" charset="0"/>
-                </a:rPr>
-                <a:t>ictures</a:t>
-              </a:r>
-              <a:endParaRPr lang="en-GB" sz="1200" dirty="0">
-                <a:latin typeface="Arial" panose="020B0604020202020204" pitchFamily="34" charset="0"/>
-                <a:ea typeface="Open Sans" panose="020B0606030504020204" pitchFamily="34" charset="0"/>
-                <a:cs typeface="Arial" panose="020B0604020202020204" pitchFamily="34" charset="0"/>
-              </a:endParaRPr>
-            </a:p>
-          </p:txBody>
-        </p:sp>
+                </a:endParaRPr>
+              </a:p>
+            </p:txBody>
+          </p:sp>
+          <p:sp>
+            <p:nvSpPr>
+              <p:cNvPr id="58" name="Eckige Klammer links 57"/>
+              <p:cNvSpPr/>
+              <p:nvPr/>
+            </p:nvSpPr>
+            <p:spPr>
+              <a:xfrm>
+                <a:off x="2630047" y="3166847"/>
+                <a:ext cx="72008" cy="2532339"/>
+              </a:xfrm>
+              <a:prstGeom prst="leftBracket">
+                <a:avLst/>
+              </a:prstGeom>
+              <a:ln>
+                <a:solidFill>
+                  <a:schemeClr val="tx1"/>
+                </a:solidFill>
+              </a:ln>
+            </p:spPr>
+            <p:style>
+              <a:lnRef idx="1">
+                <a:schemeClr val="accent1"/>
+              </a:lnRef>
+              <a:fillRef idx="0">
+                <a:schemeClr val="accent1"/>
+              </a:fillRef>
+              <a:effectRef idx="0">
+                <a:schemeClr val="accent1"/>
+              </a:effectRef>
+              <a:fontRef idx="minor">
+                <a:schemeClr val="tx1"/>
+              </a:fontRef>
+            </p:style>
+            <p:txBody>
+              <a:bodyPr rtlCol="0" anchor="ctr"/>
+              <a:lstStyle/>
+              <a:p>
+                <a:pPr algn="ctr"/>
+                <a:endParaRPr lang="de-DE"/>
+              </a:p>
+            </p:txBody>
+          </p:sp>
+        </p:grpSp>
         <p:sp>
           <p:nvSpPr>
-            <p:cNvPr id="8" name="Textfeld 7"/>
-            <p:cNvSpPr txBox="1"/>
-            <p:nvPr/>
-          </p:nvSpPr>
-          <p:spPr>
-            <a:xfrm>
-              <a:off x="2735999" y="3166847"/>
-              <a:ext cx="3672000" cy="461665"/>
-            </a:xfrm>
-            <a:prstGeom prst="rect">
-              <a:avLst/>
-            </a:prstGeom>
-            <a:noFill/>
-            <a:ln w="12700">
-              <a:solidFill>
-                <a:schemeClr val="tx1"/>
-              </a:solidFill>
-            </a:ln>
-          </p:spPr>
-          <p:txBody>
-            <a:bodyPr wrap="square" rtlCol="0" anchor="ctr">
-              <a:spAutoFit/>
-            </a:bodyPr>
-            <a:lstStyle/>
-            <a:p>
-              <a:pPr algn="ctr"/>
-              <a:r>
-                <a:rPr lang="en-GB" sz="1200" dirty="0">
-                  <a:latin typeface="Arial" panose="020B0604020202020204" pitchFamily="34" charset="0"/>
-                  <a:ea typeface="Open Sans" panose="020B0606030504020204" pitchFamily="34" charset="0"/>
-                  <a:cs typeface="Arial" panose="020B0604020202020204" pitchFamily="34" charset="0"/>
-                </a:rPr>
-                <a:t>Block 3 - </a:t>
-              </a:r>
-              <a:r>
-                <a:rPr lang="en-GB" sz="1200" i="1" dirty="0" smtClean="0">
-                  <a:latin typeface="Arial" panose="020B0604020202020204" pitchFamily="34" charset="0"/>
-                  <a:ea typeface="Open Sans" panose="020B0606030504020204" pitchFamily="34" charset="0"/>
-                  <a:cs typeface="Arial" panose="020B0604020202020204" pitchFamily="34" charset="0"/>
-                </a:rPr>
-                <a:t>Distraction</a:t>
-              </a:r>
-              <a:endParaRPr lang="en-GB" sz="1200" i="1" dirty="0">
-                <a:latin typeface="Arial" panose="020B0604020202020204" pitchFamily="34" charset="0"/>
-                <a:ea typeface="Open Sans" panose="020B0606030504020204" pitchFamily="34" charset="0"/>
-                <a:cs typeface="Arial" panose="020B0604020202020204" pitchFamily="34" charset="0"/>
-              </a:endParaRPr>
-            </a:p>
-            <a:p>
-              <a:pPr algn="ctr"/>
-              <a:r>
-                <a:rPr lang="en-GB" sz="1200" dirty="0" smtClean="0">
-                  <a:latin typeface="Arial" panose="020B0604020202020204" pitchFamily="34" charset="0"/>
-                  <a:ea typeface="Open Sans" panose="020B0606030504020204" pitchFamily="34" charset="0"/>
-                  <a:cs typeface="Arial" panose="020B0604020202020204" pitchFamily="34" charset="0"/>
-                </a:rPr>
-                <a:t>Distraction of negative pictures</a:t>
-              </a:r>
-              <a:endParaRPr lang="en-GB" sz="1200" dirty="0">
-                <a:latin typeface="Arial" panose="020B0604020202020204" pitchFamily="34" charset="0"/>
-                <a:ea typeface="Open Sans" panose="020B0606030504020204" pitchFamily="34" charset="0"/>
-                <a:cs typeface="Arial" panose="020B0604020202020204" pitchFamily="34" charset="0"/>
-              </a:endParaRPr>
-            </a:p>
-          </p:txBody>
-        </p:sp>
-        <p:sp>
-          <p:nvSpPr>
-            <p:cNvPr id="9" name="Textfeld 8"/>
-            <p:cNvSpPr txBox="1"/>
-            <p:nvPr/>
-          </p:nvSpPr>
-          <p:spPr>
-            <a:xfrm>
-              <a:off x="2735999" y="5237521"/>
-              <a:ext cx="3672000" cy="461665"/>
-            </a:xfrm>
-            <a:prstGeom prst="rect">
-              <a:avLst/>
-            </a:prstGeom>
-            <a:noFill/>
-            <a:ln w="12700">
-              <a:solidFill>
-                <a:schemeClr val="tx1"/>
-              </a:solidFill>
-            </a:ln>
-          </p:spPr>
-          <p:txBody>
-            <a:bodyPr wrap="square" rtlCol="0" anchor="ctr">
-              <a:spAutoFit/>
-            </a:bodyPr>
-            <a:lstStyle/>
-            <a:p>
-              <a:pPr algn="ctr"/>
-              <a:r>
-                <a:rPr lang="en-GB" sz="1200" dirty="0">
-                  <a:latin typeface="Arial" panose="020B0604020202020204" pitchFamily="34" charset="0"/>
-                  <a:ea typeface="Open Sans" panose="020B0606030504020204" pitchFamily="34" charset="0"/>
-                  <a:cs typeface="Arial" panose="020B0604020202020204" pitchFamily="34" charset="0"/>
-                </a:rPr>
-                <a:t>Block </a:t>
-              </a:r>
-              <a:r>
-                <a:rPr lang="en-GB" sz="1200" dirty="0" smtClean="0">
-                  <a:latin typeface="Arial" panose="020B0604020202020204" pitchFamily="34" charset="0"/>
-                  <a:ea typeface="Open Sans" panose="020B0606030504020204" pitchFamily="34" charset="0"/>
-                  <a:cs typeface="Arial" panose="020B0604020202020204" pitchFamily="34" charset="0"/>
-                </a:rPr>
-                <a:t>5 </a:t>
-              </a:r>
-              <a:r>
-                <a:rPr lang="en-GB" sz="1200" dirty="0">
-                  <a:latin typeface="Arial" panose="020B0604020202020204" pitchFamily="34" charset="0"/>
-                  <a:ea typeface="Open Sans" panose="020B0606030504020204" pitchFamily="34" charset="0"/>
-                  <a:cs typeface="Arial" panose="020B0604020202020204" pitchFamily="34" charset="0"/>
-                </a:rPr>
-                <a:t>- </a:t>
-              </a:r>
-              <a:r>
-                <a:rPr lang="en-GB" sz="1200" i="1" dirty="0">
-                  <a:latin typeface="Arial" panose="020B0604020202020204" pitchFamily="34" charset="0"/>
-                  <a:ea typeface="Open Sans" panose="020B0606030504020204" pitchFamily="34" charset="0"/>
-                  <a:cs typeface="Arial" panose="020B0604020202020204" pitchFamily="34" charset="0"/>
-                </a:rPr>
-                <a:t>Expressive</a:t>
-              </a:r>
-              <a:r>
-                <a:rPr lang="en-GB" sz="1200" dirty="0">
-                  <a:latin typeface="Arial" panose="020B0604020202020204" pitchFamily="34" charset="0"/>
-                  <a:ea typeface="Open Sans" panose="020B0606030504020204" pitchFamily="34" charset="0"/>
-                  <a:cs typeface="Arial" panose="020B0604020202020204" pitchFamily="34" charset="0"/>
-                </a:rPr>
-                <a:t> </a:t>
-              </a:r>
-              <a:r>
-                <a:rPr lang="en-GB" sz="1200" i="1" dirty="0">
-                  <a:latin typeface="Arial" panose="020B0604020202020204" pitchFamily="34" charset="0"/>
-                  <a:ea typeface="Open Sans" panose="020B0606030504020204" pitchFamily="34" charset="0"/>
-                  <a:cs typeface="Arial" panose="020B0604020202020204" pitchFamily="34" charset="0"/>
-                </a:rPr>
-                <a:t>suppression</a:t>
-              </a:r>
-            </a:p>
-            <a:p>
-              <a:pPr algn="ctr"/>
-              <a:r>
-                <a:rPr lang="en-GB" sz="1200" dirty="0">
-                  <a:latin typeface="Arial" panose="020B0604020202020204" pitchFamily="34" charset="0"/>
-                  <a:ea typeface="Open Sans" panose="020B0606030504020204" pitchFamily="34" charset="0"/>
-                  <a:cs typeface="Arial" panose="020B0604020202020204" pitchFamily="34" charset="0"/>
-                </a:rPr>
-                <a:t>Expressive suppression of </a:t>
-              </a:r>
-              <a:r>
-                <a:rPr lang="en-GB" sz="1200" dirty="0" smtClean="0">
-                  <a:latin typeface="Arial" panose="020B0604020202020204" pitchFamily="34" charset="0"/>
-                  <a:ea typeface="Open Sans" panose="020B0606030504020204" pitchFamily="34" charset="0"/>
-                  <a:cs typeface="Arial" panose="020B0604020202020204" pitchFamily="34" charset="0"/>
-                </a:rPr>
-                <a:t>negative </a:t>
-              </a:r>
-              <a:r>
-                <a:rPr lang="en-GB" sz="1200" dirty="0">
-                  <a:latin typeface="Arial" panose="020B0604020202020204" pitchFamily="34" charset="0"/>
-                  <a:ea typeface="Open Sans" panose="020B0606030504020204" pitchFamily="34" charset="0"/>
-                  <a:cs typeface="Arial" panose="020B0604020202020204" pitchFamily="34" charset="0"/>
-                </a:rPr>
-                <a:t>p</a:t>
-              </a:r>
-              <a:r>
-                <a:rPr lang="en-GB" sz="1200" dirty="0">
-                  <a:latin typeface="Arial" panose="020B0604020202020204" pitchFamily="34" charset="0"/>
-                  <a:ea typeface="Open Sans" panose="020B0606030504020204" pitchFamily="34" charset="0"/>
-                  <a:cs typeface="Arial" panose="020B0604020202020204" pitchFamily="34" charset="0"/>
-                </a:rPr>
-                <a:t>ictures</a:t>
-              </a:r>
-              <a:endParaRPr lang="en-GB" sz="1200" dirty="0">
-                <a:latin typeface="Arial" panose="020B0604020202020204" pitchFamily="34" charset="0"/>
-                <a:ea typeface="Open Sans" panose="020B0606030504020204" pitchFamily="34" charset="0"/>
-                <a:cs typeface="Arial" panose="020B0604020202020204" pitchFamily="34" charset="0"/>
-              </a:endParaRPr>
-            </a:p>
-          </p:txBody>
-        </p:sp>
-        <p:sp>
-          <p:nvSpPr>
-            <p:cNvPr id="10" name="Textfeld 9"/>
-            <p:cNvSpPr txBox="1"/>
-            <p:nvPr/>
-          </p:nvSpPr>
-          <p:spPr>
-            <a:xfrm>
-              <a:off x="2735998" y="7073325"/>
-              <a:ext cx="3672001" cy="646331"/>
-            </a:xfrm>
-            <a:prstGeom prst="rect">
-              <a:avLst/>
-            </a:prstGeom>
-            <a:noFill/>
-            <a:ln w="12700">
-              <a:solidFill>
-                <a:schemeClr val="tx1"/>
-              </a:solidFill>
-            </a:ln>
-          </p:spPr>
-          <p:txBody>
-            <a:bodyPr wrap="square" rtlCol="0" anchor="ctr">
-              <a:spAutoFit/>
-            </a:bodyPr>
-            <a:lstStyle/>
-            <a:p>
-              <a:pPr algn="ctr"/>
-              <a:r>
-                <a:rPr lang="en-GB" sz="1200" dirty="0">
-                  <a:latin typeface="Arial" panose="020B0604020202020204" pitchFamily="34" charset="0"/>
-                  <a:ea typeface="Open Sans" panose="020B0606030504020204" pitchFamily="34" charset="0"/>
-                  <a:cs typeface="Arial" panose="020B0604020202020204" pitchFamily="34" charset="0"/>
-                </a:rPr>
-                <a:t>Block </a:t>
-              </a:r>
-              <a:r>
-                <a:rPr lang="en-GB" sz="1200" dirty="0" smtClean="0">
-                  <a:latin typeface="Arial" panose="020B0604020202020204" pitchFamily="34" charset="0"/>
-                  <a:ea typeface="Open Sans" panose="020B0606030504020204" pitchFamily="34" charset="0"/>
-                  <a:cs typeface="Arial" panose="020B0604020202020204" pitchFamily="34" charset="0"/>
-                </a:rPr>
-                <a:t>6 </a:t>
-              </a:r>
-              <a:r>
-                <a:rPr lang="en-GB" sz="1200" dirty="0">
-                  <a:latin typeface="Arial" panose="020B0604020202020204" pitchFamily="34" charset="0"/>
-                  <a:ea typeface="Open Sans" panose="020B0606030504020204" pitchFamily="34" charset="0"/>
-                  <a:cs typeface="Arial" panose="020B0604020202020204" pitchFamily="34" charset="0"/>
-                </a:rPr>
-                <a:t>- </a:t>
-              </a:r>
-              <a:r>
-                <a:rPr lang="en-GB" sz="1200" i="1" dirty="0">
-                  <a:latin typeface="Arial" panose="020B0604020202020204" pitchFamily="34" charset="0"/>
-                  <a:ea typeface="Open Sans" panose="020B0606030504020204" pitchFamily="34" charset="0"/>
-                  <a:cs typeface="Arial" panose="020B0604020202020204" pitchFamily="34" charset="0"/>
-                </a:rPr>
-                <a:t>Choice</a:t>
-              </a:r>
-            </a:p>
-            <a:p>
-              <a:pPr algn="ctr"/>
-              <a:r>
-                <a:rPr lang="en-GB" sz="1200" dirty="0" smtClean="0">
-                  <a:latin typeface="Arial" panose="020B0604020202020204" pitchFamily="34" charset="0"/>
-                  <a:ea typeface="Open Sans" panose="020B0606030504020204" pitchFamily="34" charset="0"/>
-                  <a:cs typeface="Arial" panose="020B0604020202020204" pitchFamily="34" charset="0"/>
-                </a:rPr>
-                <a:t>Reapply </a:t>
-              </a:r>
-              <a:r>
-                <a:rPr lang="en-GB" sz="1200" i="1" dirty="0" smtClean="0">
-                  <a:latin typeface="Arial" panose="020B0604020202020204" pitchFamily="34" charset="0"/>
-                  <a:ea typeface="Open Sans" panose="020B0606030504020204" pitchFamily="34" charset="0"/>
-                  <a:cs typeface="Arial" panose="020B0604020202020204" pitchFamily="34" charset="0"/>
-                </a:rPr>
-                <a:t>Distraction</a:t>
-              </a:r>
-              <a:r>
-                <a:rPr lang="en-GB" sz="1200" dirty="0" smtClean="0">
-                  <a:latin typeface="Arial" panose="020B0604020202020204" pitchFamily="34" charset="0"/>
-                  <a:ea typeface="Open Sans" panose="020B0606030504020204" pitchFamily="34" charset="0"/>
-                  <a:cs typeface="Arial" panose="020B0604020202020204" pitchFamily="34" charset="0"/>
-                </a:rPr>
-                <a:t>, </a:t>
-              </a:r>
-              <a:r>
-                <a:rPr lang="en-GB" sz="1200" i="1" dirty="0" smtClean="0">
-                  <a:latin typeface="Arial" panose="020B0604020202020204" pitchFamily="34" charset="0"/>
-                  <a:ea typeface="Open Sans" panose="020B0606030504020204" pitchFamily="34" charset="0"/>
-                  <a:cs typeface="Arial" panose="020B0604020202020204" pitchFamily="34" charset="0"/>
-                </a:rPr>
-                <a:t>Distancing</a:t>
-              </a:r>
-              <a:r>
-                <a:rPr lang="en-GB" sz="1200" dirty="0" smtClean="0">
-                  <a:latin typeface="Arial" panose="020B0604020202020204" pitchFamily="34" charset="0"/>
-                  <a:ea typeface="Open Sans" panose="020B0606030504020204" pitchFamily="34" charset="0"/>
-                  <a:cs typeface="Arial" panose="020B0604020202020204" pitchFamily="34" charset="0"/>
-                </a:rPr>
-                <a:t>, or </a:t>
-              </a:r>
-              <a:r>
-                <a:rPr lang="en-GB" sz="1200" i="1" dirty="0" smtClean="0">
-                  <a:latin typeface="Arial" panose="020B0604020202020204" pitchFamily="34" charset="0"/>
-                  <a:ea typeface="Open Sans" panose="020B0606030504020204" pitchFamily="34" charset="0"/>
-                  <a:cs typeface="Arial" panose="020B0604020202020204" pitchFamily="34" charset="0"/>
-                </a:rPr>
-                <a:t>Expressive suppression</a:t>
-              </a:r>
-              <a:endParaRPr lang="en-GB" sz="1200" i="1" dirty="0">
-                <a:latin typeface="Arial" panose="020B0604020202020204" pitchFamily="34" charset="0"/>
-                <a:ea typeface="Open Sans" panose="020B0606030504020204" pitchFamily="34" charset="0"/>
-                <a:cs typeface="Arial" panose="020B0604020202020204" pitchFamily="34" charset="0"/>
-              </a:endParaRPr>
-            </a:p>
-          </p:txBody>
-        </p:sp>
-        <p:cxnSp>
-          <p:nvCxnSpPr>
-            <p:cNvPr id="12" name="Gerade Verbindung mit Pfeil 11"/>
-            <p:cNvCxnSpPr>
-              <a:stCxn id="4" idx="2"/>
-              <a:endCxn id="5" idx="0"/>
-            </p:cNvCxnSpPr>
-            <p:nvPr/>
-          </p:nvCxnSpPr>
-          <p:spPr>
-            <a:xfrm>
-              <a:off x="4571999" y="1550007"/>
-              <a:ext cx="0" cy="567955"/>
-            </a:xfrm>
-            <a:prstGeom prst="straightConnector1">
-              <a:avLst/>
-            </a:prstGeom>
-            <a:ln w="6350">
-              <a:solidFill>
-                <a:schemeClr val="tx1"/>
-              </a:solidFill>
-              <a:headEnd type="none" w="med" len="med"/>
-              <a:tailEnd type="triangle" w="med" len="med"/>
-            </a:ln>
-          </p:spPr>
-          <p:style>
-            <a:lnRef idx="1">
-              <a:schemeClr val="accent1"/>
-            </a:lnRef>
-            <a:fillRef idx="0">
-              <a:schemeClr val="accent1"/>
-            </a:fillRef>
-            <a:effectRef idx="0">
-              <a:schemeClr val="accent1"/>
-            </a:effectRef>
-            <a:fontRef idx="minor">
-              <a:schemeClr val="tx1"/>
-            </a:fontRef>
-          </p:style>
-        </p:cxnSp>
-        <p:sp>
-          <p:nvSpPr>
-            <p:cNvPr id="2" name="Textfeld 1"/>
-            <p:cNvSpPr txBox="1"/>
-            <p:nvPr/>
-          </p:nvSpPr>
-          <p:spPr>
-            <a:xfrm rot="16200000">
-              <a:off x="1660991" y="4282100"/>
-              <a:ext cx="1584176" cy="276999"/>
-            </a:xfrm>
-            <a:prstGeom prst="rect">
-              <a:avLst/>
-            </a:prstGeom>
-            <a:solidFill>
-              <a:schemeClr val="bg1"/>
-            </a:solidFill>
-            <a:ln>
-              <a:solidFill>
-                <a:schemeClr val="tx1">
-                  <a:lumMod val="95000"/>
-                  <a:lumOff val="5000"/>
-                </a:schemeClr>
-              </a:solidFill>
-            </a:ln>
-          </p:spPr>
-          <p:txBody>
-            <a:bodyPr wrap="square" rtlCol="0">
-              <a:spAutoFit/>
-            </a:bodyPr>
-            <a:lstStyle/>
-            <a:p>
-              <a:pPr algn="ctr"/>
-              <a:r>
-                <a:rPr lang="de-DE" sz="1200" dirty="0" err="1" smtClean="0">
-                  <a:latin typeface="Arial" panose="020B0604020202020204" pitchFamily="34" charset="0"/>
-                  <a:cs typeface="Arial" panose="020B0604020202020204" pitchFamily="34" charset="0"/>
-                </a:rPr>
-                <a:t>randomized</a:t>
-              </a:r>
-              <a:r>
-                <a:rPr lang="de-DE" sz="1200" dirty="0" smtClean="0">
-                  <a:latin typeface="Arial" panose="020B0604020202020204" pitchFamily="34" charset="0"/>
-                  <a:cs typeface="Arial" panose="020B0604020202020204" pitchFamily="34" charset="0"/>
-                </a:rPr>
-                <a:t> </a:t>
-              </a:r>
-              <a:r>
-                <a:rPr lang="de-DE" sz="1200" dirty="0" err="1" smtClean="0">
-                  <a:latin typeface="Arial" panose="020B0604020202020204" pitchFamily="34" charset="0"/>
-                  <a:cs typeface="Arial" panose="020B0604020202020204" pitchFamily="34" charset="0"/>
-                </a:rPr>
-                <a:t>order</a:t>
-              </a:r>
-              <a:endParaRPr lang="de-DE" sz="1200" dirty="0">
-                <a:latin typeface="Arial" panose="020B0604020202020204" pitchFamily="34" charset="0"/>
-                <a:cs typeface="Arial" panose="020B0604020202020204" pitchFamily="34" charset="0"/>
-              </a:endParaRPr>
-            </a:p>
-          </p:txBody>
-        </p:sp>
-        <p:sp>
-          <p:nvSpPr>
-            <p:cNvPr id="29" name="Abgerundetes Rechteck 28"/>
+            <p:cNvPr id="60" name="Abgerundetes Rechteck 59"/>
             <p:cNvSpPr/>
             <p:nvPr/>
           </p:nvSpPr>
           <p:spPr>
             <a:xfrm>
-              <a:off x="3581788" y="2639897"/>
+              <a:off x="3581787" y="1603888"/>
               <a:ext cx="1980422" cy="376481"/>
             </a:xfrm>
             <a:prstGeom prst="roundRect">
@@ -4073,867 +4948,7 @@
             </a:p>
           </p:txBody>
         </p:sp>
-        <p:sp>
-          <p:nvSpPr>
-            <p:cNvPr id="40" name="Abgerundetes Rechteck 39"/>
-            <p:cNvSpPr/>
-            <p:nvPr/>
-          </p:nvSpPr>
-          <p:spPr>
-            <a:xfrm>
-              <a:off x="3581788" y="4714298"/>
-              <a:ext cx="1980422" cy="376481"/>
-            </a:xfrm>
-            <a:prstGeom prst="roundRect">
-              <a:avLst/>
-            </a:prstGeom>
-            <a:solidFill>
-              <a:schemeClr val="bg1"/>
-            </a:solidFill>
-            <a:ln w="6350">
-              <a:solidFill>
-                <a:schemeClr val="tx1"/>
-              </a:solidFill>
-            </a:ln>
-          </p:spPr>
-          <p:style>
-            <a:lnRef idx="2">
-              <a:schemeClr val="accent1">
-                <a:shade val="50000"/>
-              </a:schemeClr>
-            </a:lnRef>
-            <a:fillRef idx="1">
-              <a:schemeClr val="accent1"/>
-            </a:fillRef>
-            <a:effectRef idx="0">
-              <a:schemeClr val="accent1"/>
-            </a:effectRef>
-            <a:fontRef idx="minor">
-              <a:schemeClr val="lt1"/>
-            </a:fontRef>
-          </p:style>
-          <p:txBody>
-            <a:bodyPr rtlCol="0" anchor="ctr"/>
-            <a:lstStyle/>
-            <a:p>
-              <a:pPr algn="ctr"/>
-              <a:r>
-                <a:rPr lang="de-DE" sz="1200" dirty="0" err="1">
-                  <a:solidFill>
-                    <a:schemeClr val="tx1"/>
-                  </a:solidFill>
-                  <a:latin typeface="Arial" panose="020B0604020202020204" pitchFamily="34" charset="0"/>
-                  <a:cs typeface="Arial" panose="020B0604020202020204" pitchFamily="34" charset="0"/>
-                </a:rPr>
-                <a:t>subjective</a:t>
-              </a:r>
-              <a:r>
-                <a:rPr lang="de-DE" sz="1200" dirty="0">
-                  <a:solidFill>
-                    <a:schemeClr val="tx1"/>
-                  </a:solidFill>
-                  <a:latin typeface="Arial" panose="020B0604020202020204" pitchFamily="34" charset="0"/>
-                  <a:cs typeface="Arial" panose="020B0604020202020204" pitchFamily="34" charset="0"/>
-                </a:rPr>
-                <a:t> </a:t>
-              </a:r>
-              <a:r>
-                <a:rPr lang="de-DE" sz="1200" dirty="0" err="1">
-                  <a:solidFill>
-                    <a:schemeClr val="tx1"/>
-                  </a:solidFill>
-                  <a:latin typeface="Arial" panose="020B0604020202020204" pitchFamily="34" charset="0"/>
-                  <a:cs typeface="Arial" panose="020B0604020202020204" pitchFamily="34" charset="0"/>
-                </a:rPr>
-                <a:t>arousal</a:t>
-              </a:r>
-              <a:r>
-                <a:rPr lang="de-DE" sz="1200" dirty="0">
-                  <a:solidFill>
-                    <a:schemeClr val="tx1"/>
-                  </a:solidFill>
-                  <a:latin typeface="Arial" panose="020B0604020202020204" pitchFamily="34" charset="0"/>
-                  <a:cs typeface="Arial" panose="020B0604020202020204" pitchFamily="34" charset="0"/>
-                </a:rPr>
-                <a:t> </a:t>
-              </a:r>
-              <a:r>
-                <a:rPr lang="de-DE" sz="1200" dirty="0" err="1">
-                  <a:solidFill>
-                    <a:schemeClr val="tx1"/>
-                  </a:solidFill>
-                  <a:latin typeface="Arial" panose="020B0604020202020204" pitchFamily="34" charset="0"/>
-                  <a:cs typeface="Arial" panose="020B0604020202020204" pitchFamily="34" charset="0"/>
-                </a:rPr>
-                <a:t>and</a:t>
-              </a:r>
-              <a:r>
-                <a:rPr lang="de-DE" sz="1200" dirty="0">
-                  <a:solidFill>
-                    <a:schemeClr val="tx1"/>
-                  </a:solidFill>
-                  <a:latin typeface="Arial" panose="020B0604020202020204" pitchFamily="34" charset="0"/>
-                  <a:cs typeface="Arial" panose="020B0604020202020204" pitchFamily="34" charset="0"/>
-                </a:rPr>
-                <a:t> </a:t>
-              </a:r>
-              <a:r>
-                <a:rPr lang="de-DE" sz="1200" dirty="0" err="1">
-                  <a:solidFill>
-                    <a:schemeClr val="tx1"/>
-                  </a:solidFill>
-                  <a:latin typeface="Arial" panose="020B0604020202020204" pitchFamily="34" charset="0"/>
-                  <a:cs typeface="Arial" panose="020B0604020202020204" pitchFamily="34" charset="0"/>
-                </a:rPr>
-                <a:t>effort</a:t>
-              </a:r>
-              <a:r>
-                <a:rPr lang="de-DE" sz="1200" dirty="0">
-                  <a:solidFill>
-                    <a:schemeClr val="tx1"/>
-                  </a:solidFill>
-                  <a:latin typeface="Arial" panose="020B0604020202020204" pitchFamily="34" charset="0"/>
-                  <a:cs typeface="Arial" panose="020B0604020202020204" pitchFamily="34" charset="0"/>
-                </a:rPr>
-                <a:t> </a:t>
-              </a:r>
-              <a:r>
-                <a:rPr lang="de-DE" sz="1200" dirty="0" err="1">
-                  <a:solidFill>
-                    <a:schemeClr val="tx1"/>
-                  </a:solidFill>
-                  <a:latin typeface="Arial" panose="020B0604020202020204" pitchFamily="34" charset="0"/>
-                  <a:cs typeface="Arial" panose="020B0604020202020204" pitchFamily="34" charset="0"/>
-                </a:rPr>
-                <a:t>rating</a:t>
-              </a:r>
-              <a:endParaRPr lang="de-DE" sz="1200" dirty="0">
-                <a:solidFill>
-                  <a:schemeClr val="tx1"/>
-                </a:solidFill>
-                <a:latin typeface="Arial" panose="020B0604020202020204" pitchFamily="34" charset="0"/>
-                <a:cs typeface="Arial" panose="020B0604020202020204" pitchFamily="34" charset="0"/>
-              </a:endParaRPr>
-            </a:p>
-          </p:txBody>
-        </p:sp>
-        <p:sp>
-          <p:nvSpPr>
-            <p:cNvPr id="45" name="Abgerundetes Rechteck 44"/>
-            <p:cNvSpPr/>
-            <p:nvPr/>
-          </p:nvSpPr>
-          <p:spPr>
-            <a:xfrm>
-              <a:off x="3581788" y="3669274"/>
-              <a:ext cx="1980422" cy="376481"/>
-            </a:xfrm>
-            <a:prstGeom prst="roundRect">
-              <a:avLst/>
-            </a:prstGeom>
-            <a:solidFill>
-              <a:schemeClr val="bg1"/>
-            </a:solidFill>
-            <a:ln w="6350">
-              <a:solidFill>
-                <a:schemeClr val="tx1"/>
-              </a:solidFill>
-            </a:ln>
-          </p:spPr>
-          <p:style>
-            <a:lnRef idx="2">
-              <a:schemeClr val="accent1">
-                <a:shade val="50000"/>
-              </a:schemeClr>
-            </a:lnRef>
-            <a:fillRef idx="1">
-              <a:schemeClr val="accent1"/>
-            </a:fillRef>
-            <a:effectRef idx="0">
-              <a:schemeClr val="accent1"/>
-            </a:effectRef>
-            <a:fontRef idx="minor">
-              <a:schemeClr val="lt1"/>
-            </a:fontRef>
-          </p:style>
-          <p:txBody>
-            <a:bodyPr rtlCol="0" anchor="ctr"/>
-            <a:lstStyle/>
-            <a:p>
-              <a:pPr algn="ctr"/>
-              <a:r>
-                <a:rPr lang="de-DE" sz="1200" dirty="0" err="1">
-                  <a:solidFill>
-                    <a:schemeClr val="tx1"/>
-                  </a:solidFill>
-                  <a:latin typeface="Arial" panose="020B0604020202020204" pitchFamily="34" charset="0"/>
-                  <a:cs typeface="Arial" panose="020B0604020202020204" pitchFamily="34" charset="0"/>
-                </a:rPr>
-                <a:t>subjective</a:t>
-              </a:r>
-              <a:r>
-                <a:rPr lang="de-DE" sz="1200" dirty="0">
-                  <a:solidFill>
-                    <a:schemeClr val="tx1"/>
-                  </a:solidFill>
-                  <a:latin typeface="Arial" panose="020B0604020202020204" pitchFamily="34" charset="0"/>
-                  <a:cs typeface="Arial" panose="020B0604020202020204" pitchFamily="34" charset="0"/>
-                </a:rPr>
-                <a:t> </a:t>
-              </a:r>
-              <a:r>
-                <a:rPr lang="de-DE" sz="1200" dirty="0" err="1">
-                  <a:solidFill>
-                    <a:schemeClr val="tx1"/>
-                  </a:solidFill>
-                  <a:latin typeface="Arial" panose="020B0604020202020204" pitchFamily="34" charset="0"/>
-                  <a:cs typeface="Arial" panose="020B0604020202020204" pitchFamily="34" charset="0"/>
-                </a:rPr>
-                <a:t>arousal</a:t>
-              </a:r>
-              <a:r>
-                <a:rPr lang="de-DE" sz="1200" dirty="0">
-                  <a:solidFill>
-                    <a:schemeClr val="tx1"/>
-                  </a:solidFill>
-                  <a:latin typeface="Arial" panose="020B0604020202020204" pitchFamily="34" charset="0"/>
-                  <a:cs typeface="Arial" panose="020B0604020202020204" pitchFamily="34" charset="0"/>
-                </a:rPr>
-                <a:t> </a:t>
-              </a:r>
-              <a:r>
-                <a:rPr lang="de-DE" sz="1200" dirty="0" err="1">
-                  <a:solidFill>
-                    <a:schemeClr val="tx1"/>
-                  </a:solidFill>
-                  <a:latin typeface="Arial" panose="020B0604020202020204" pitchFamily="34" charset="0"/>
-                  <a:cs typeface="Arial" panose="020B0604020202020204" pitchFamily="34" charset="0"/>
-                </a:rPr>
-                <a:t>and</a:t>
-              </a:r>
-              <a:r>
-                <a:rPr lang="de-DE" sz="1200" dirty="0">
-                  <a:solidFill>
-                    <a:schemeClr val="tx1"/>
-                  </a:solidFill>
-                  <a:latin typeface="Arial" panose="020B0604020202020204" pitchFamily="34" charset="0"/>
-                  <a:cs typeface="Arial" panose="020B0604020202020204" pitchFamily="34" charset="0"/>
-                </a:rPr>
-                <a:t> </a:t>
-              </a:r>
-              <a:r>
-                <a:rPr lang="de-DE" sz="1200" dirty="0" err="1">
-                  <a:solidFill>
-                    <a:schemeClr val="tx1"/>
-                  </a:solidFill>
-                  <a:latin typeface="Arial" panose="020B0604020202020204" pitchFamily="34" charset="0"/>
-                  <a:cs typeface="Arial" panose="020B0604020202020204" pitchFamily="34" charset="0"/>
-                </a:rPr>
-                <a:t>effort</a:t>
-              </a:r>
-              <a:r>
-                <a:rPr lang="de-DE" sz="1200" dirty="0">
-                  <a:solidFill>
-                    <a:schemeClr val="tx1"/>
-                  </a:solidFill>
-                  <a:latin typeface="Arial" panose="020B0604020202020204" pitchFamily="34" charset="0"/>
-                  <a:cs typeface="Arial" panose="020B0604020202020204" pitchFamily="34" charset="0"/>
-                </a:rPr>
-                <a:t> </a:t>
-              </a:r>
-              <a:r>
-                <a:rPr lang="de-DE" sz="1200" dirty="0" err="1">
-                  <a:solidFill>
-                    <a:schemeClr val="tx1"/>
-                  </a:solidFill>
-                  <a:latin typeface="Arial" panose="020B0604020202020204" pitchFamily="34" charset="0"/>
-                  <a:cs typeface="Arial" panose="020B0604020202020204" pitchFamily="34" charset="0"/>
-                </a:rPr>
-                <a:t>rating</a:t>
-              </a:r>
-              <a:endParaRPr lang="de-DE" sz="1200" dirty="0">
-                <a:solidFill>
-                  <a:schemeClr val="tx1"/>
-                </a:solidFill>
-                <a:latin typeface="Arial" panose="020B0604020202020204" pitchFamily="34" charset="0"/>
-                <a:cs typeface="Arial" panose="020B0604020202020204" pitchFamily="34" charset="0"/>
-              </a:endParaRPr>
-            </a:p>
-          </p:txBody>
-        </p:sp>
-        <p:sp>
-          <p:nvSpPr>
-            <p:cNvPr id="46" name="Abgerundetes Rechteck 45"/>
-            <p:cNvSpPr/>
-            <p:nvPr/>
-          </p:nvSpPr>
-          <p:spPr>
-            <a:xfrm>
-              <a:off x="3581788" y="5756329"/>
-              <a:ext cx="1980422" cy="376481"/>
-            </a:xfrm>
-            <a:prstGeom prst="roundRect">
-              <a:avLst/>
-            </a:prstGeom>
-            <a:solidFill>
-              <a:schemeClr val="bg1"/>
-            </a:solidFill>
-            <a:ln w="6350">
-              <a:solidFill>
-                <a:schemeClr val="tx1"/>
-              </a:solidFill>
-            </a:ln>
-          </p:spPr>
-          <p:style>
-            <a:lnRef idx="2">
-              <a:schemeClr val="accent1">
-                <a:shade val="50000"/>
-              </a:schemeClr>
-            </a:lnRef>
-            <a:fillRef idx="1">
-              <a:schemeClr val="accent1"/>
-            </a:fillRef>
-            <a:effectRef idx="0">
-              <a:schemeClr val="accent1"/>
-            </a:effectRef>
-            <a:fontRef idx="minor">
-              <a:schemeClr val="lt1"/>
-            </a:fontRef>
-          </p:style>
-          <p:txBody>
-            <a:bodyPr rtlCol="0" anchor="ctr"/>
-            <a:lstStyle/>
-            <a:p>
-              <a:pPr algn="ctr"/>
-              <a:r>
-                <a:rPr lang="de-DE" sz="1200" dirty="0" err="1">
-                  <a:solidFill>
-                    <a:schemeClr val="tx1"/>
-                  </a:solidFill>
-                  <a:latin typeface="Arial" panose="020B0604020202020204" pitchFamily="34" charset="0"/>
-                  <a:cs typeface="Arial" panose="020B0604020202020204" pitchFamily="34" charset="0"/>
-                </a:rPr>
-                <a:t>subjective</a:t>
-              </a:r>
-              <a:r>
-                <a:rPr lang="de-DE" sz="1200" dirty="0">
-                  <a:solidFill>
-                    <a:schemeClr val="tx1"/>
-                  </a:solidFill>
-                  <a:latin typeface="Arial" panose="020B0604020202020204" pitchFamily="34" charset="0"/>
-                  <a:cs typeface="Arial" panose="020B0604020202020204" pitchFamily="34" charset="0"/>
-                </a:rPr>
-                <a:t> </a:t>
-              </a:r>
-              <a:r>
-                <a:rPr lang="de-DE" sz="1200" dirty="0" err="1">
-                  <a:solidFill>
-                    <a:schemeClr val="tx1"/>
-                  </a:solidFill>
-                  <a:latin typeface="Arial" panose="020B0604020202020204" pitchFamily="34" charset="0"/>
-                  <a:cs typeface="Arial" panose="020B0604020202020204" pitchFamily="34" charset="0"/>
-                </a:rPr>
-                <a:t>arousal</a:t>
-              </a:r>
-              <a:r>
-                <a:rPr lang="de-DE" sz="1200" dirty="0">
-                  <a:solidFill>
-                    <a:schemeClr val="tx1"/>
-                  </a:solidFill>
-                  <a:latin typeface="Arial" panose="020B0604020202020204" pitchFamily="34" charset="0"/>
-                  <a:cs typeface="Arial" panose="020B0604020202020204" pitchFamily="34" charset="0"/>
-                </a:rPr>
-                <a:t> </a:t>
-              </a:r>
-              <a:r>
-                <a:rPr lang="de-DE" sz="1200" dirty="0" err="1">
-                  <a:solidFill>
-                    <a:schemeClr val="tx1"/>
-                  </a:solidFill>
-                  <a:latin typeface="Arial" panose="020B0604020202020204" pitchFamily="34" charset="0"/>
-                  <a:cs typeface="Arial" panose="020B0604020202020204" pitchFamily="34" charset="0"/>
-                </a:rPr>
-                <a:t>and</a:t>
-              </a:r>
-              <a:r>
-                <a:rPr lang="de-DE" sz="1200" dirty="0">
-                  <a:solidFill>
-                    <a:schemeClr val="tx1"/>
-                  </a:solidFill>
-                  <a:latin typeface="Arial" panose="020B0604020202020204" pitchFamily="34" charset="0"/>
-                  <a:cs typeface="Arial" panose="020B0604020202020204" pitchFamily="34" charset="0"/>
-                </a:rPr>
-                <a:t> </a:t>
-              </a:r>
-              <a:r>
-                <a:rPr lang="de-DE" sz="1200" dirty="0" err="1">
-                  <a:solidFill>
-                    <a:schemeClr val="tx1"/>
-                  </a:solidFill>
-                  <a:latin typeface="Arial" panose="020B0604020202020204" pitchFamily="34" charset="0"/>
-                  <a:cs typeface="Arial" panose="020B0604020202020204" pitchFamily="34" charset="0"/>
-                </a:rPr>
-                <a:t>effort</a:t>
-              </a:r>
-              <a:r>
-                <a:rPr lang="de-DE" sz="1200" dirty="0">
-                  <a:solidFill>
-                    <a:schemeClr val="tx1"/>
-                  </a:solidFill>
-                  <a:latin typeface="Arial" panose="020B0604020202020204" pitchFamily="34" charset="0"/>
-                  <a:cs typeface="Arial" panose="020B0604020202020204" pitchFamily="34" charset="0"/>
-                </a:rPr>
-                <a:t> </a:t>
-              </a:r>
-              <a:r>
-                <a:rPr lang="de-DE" sz="1200" dirty="0" err="1">
-                  <a:solidFill>
-                    <a:schemeClr val="tx1"/>
-                  </a:solidFill>
-                  <a:latin typeface="Arial" panose="020B0604020202020204" pitchFamily="34" charset="0"/>
-                  <a:cs typeface="Arial" panose="020B0604020202020204" pitchFamily="34" charset="0"/>
-                </a:rPr>
-                <a:t>rating</a:t>
-              </a:r>
-              <a:endParaRPr lang="de-DE" sz="1200" dirty="0">
-                <a:solidFill>
-                  <a:schemeClr val="tx1"/>
-                </a:solidFill>
-                <a:latin typeface="Arial" panose="020B0604020202020204" pitchFamily="34" charset="0"/>
-                <a:cs typeface="Arial" panose="020B0604020202020204" pitchFamily="34" charset="0"/>
-              </a:endParaRPr>
-            </a:p>
-          </p:txBody>
-        </p:sp>
-        <p:sp>
-          <p:nvSpPr>
-            <p:cNvPr id="57" name="Abgerundetes Rechteck 56"/>
-            <p:cNvSpPr/>
-            <p:nvPr/>
-          </p:nvSpPr>
-          <p:spPr>
-            <a:xfrm>
-              <a:off x="3581787" y="7776204"/>
-              <a:ext cx="1980422" cy="376481"/>
-            </a:xfrm>
-            <a:prstGeom prst="roundRect">
-              <a:avLst/>
-            </a:prstGeom>
-            <a:solidFill>
-              <a:schemeClr val="bg1"/>
-            </a:solidFill>
-            <a:ln w="6350">
-              <a:solidFill>
-                <a:schemeClr val="tx1"/>
-              </a:solidFill>
-            </a:ln>
-          </p:spPr>
-          <p:style>
-            <a:lnRef idx="2">
-              <a:schemeClr val="accent1">
-                <a:shade val="50000"/>
-              </a:schemeClr>
-            </a:lnRef>
-            <a:fillRef idx="1">
-              <a:schemeClr val="accent1"/>
-            </a:fillRef>
-            <a:effectRef idx="0">
-              <a:schemeClr val="accent1"/>
-            </a:effectRef>
-            <a:fontRef idx="minor">
-              <a:schemeClr val="lt1"/>
-            </a:fontRef>
-          </p:style>
-          <p:txBody>
-            <a:bodyPr rtlCol="0" anchor="ctr"/>
-            <a:lstStyle/>
-            <a:p>
-              <a:pPr algn="ctr"/>
-              <a:r>
-                <a:rPr lang="de-DE" sz="1200" dirty="0" err="1">
-                  <a:solidFill>
-                    <a:schemeClr val="tx1"/>
-                  </a:solidFill>
-                  <a:latin typeface="Arial" panose="020B0604020202020204" pitchFamily="34" charset="0"/>
-                  <a:cs typeface="Arial" panose="020B0604020202020204" pitchFamily="34" charset="0"/>
-                </a:rPr>
-                <a:t>subjective</a:t>
-              </a:r>
-              <a:r>
-                <a:rPr lang="de-DE" sz="1200" dirty="0">
-                  <a:solidFill>
-                    <a:schemeClr val="tx1"/>
-                  </a:solidFill>
-                  <a:latin typeface="Arial" panose="020B0604020202020204" pitchFamily="34" charset="0"/>
-                  <a:cs typeface="Arial" panose="020B0604020202020204" pitchFamily="34" charset="0"/>
-                </a:rPr>
-                <a:t> </a:t>
-              </a:r>
-              <a:r>
-                <a:rPr lang="de-DE" sz="1200" dirty="0" err="1">
-                  <a:solidFill>
-                    <a:schemeClr val="tx1"/>
-                  </a:solidFill>
-                  <a:latin typeface="Arial" panose="020B0604020202020204" pitchFamily="34" charset="0"/>
-                  <a:cs typeface="Arial" panose="020B0604020202020204" pitchFamily="34" charset="0"/>
-                </a:rPr>
-                <a:t>arousal</a:t>
-              </a:r>
-              <a:r>
-                <a:rPr lang="de-DE" sz="1200" dirty="0">
-                  <a:solidFill>
-                    <a:schemeClr val="tx1"/>
-                  </a:solidFill>
-                  <a:latin typeface="Arial" panose="020B0604020202020204" pitchFamily="34" charset="0"/>
-                  <a:cs typeface="Arial" panose="020B0604020202020204" pitchFamily="34" charset="0"/>
-                </a:rPr>
-                <a:t> </a:t>
-              </a:r>
-              <a:r>
-                <a:rPr lang="de-DE" sz="1200" dirty="0" err="1">
-                  <a:solidFill>
-                    <a:schemeClr val="tx1"/>
-                  </a:solidFill>
-                  <a:latin typeface="Arial" panose="020B0604020202020204" pitchFamily="34" charset="0"/>
-                  <a:cs typeface="Arial" panose="020B0604020202020204" pitchFamily="34" charset="0"/>
-                </a:rPr>
-                <a:t>and</a:t>
-              </a:r>
-              <a:r>
-                <a:rPr lang="de-DE" sz="1200" dirty="0">
-                  <a:solidFill>
-                    <a:schemeClr val="tx1"/>
-                  </a:solidFill>
-                  <a:latin typeface="Arial" panose="020B0604020202020204" pitchFamily="34" charset="0"/>
-                  <a:cs typeface="Arial" panose="020B0604020202020204" pitchFamily="34" charset="0"/>
-                </a:rPr>
-                <a:t> </a:t>
-              </a:r>
-              <a:r>
-                <a:rPr lang="de-DE" sz="1200" dirty="0" err="1">
-                  <a:solidFill>
-                    <a:schemeClr val="tx1"/>
-                  </a:solidFill>
-                  <a:latin typeface="Arial" panose="020B0604020202020204" pitchFamily="34" charset="0"/>
-                  <a:cs typeface="Arial" panose="020B0604020202020204" pitchFamily="34" charset="0"/>
-                </a:rPr>
-                <a:t>effort</a:t>
-              </a:r>
-              <a:r>
-                <a:rPr lang="de-DE" sz="1200" dirty="0">
-                  <a:solidFill>
-                    <a:schemeClr val="tx1"/>
-                  </a:solidFill>
-                  <a:latin typeface="Arial" panose="020B0604020202020204" pitchFamily="34" charset="0"/>
-                  <a:cs typeface="Arial" panose="020B0604020202020204" pitchFamily="34" charset="0"/>
-                </a:rPr>
-                <a:t> </a:t>
-              </a:r>
-              <a:r>
-                <a:rPr lang="de-DE" sz="1200" dirty="0" err="1">
-                  <a:solidFill>
-                    <a:schemeClr val="tx1"/>
-                  </a:solidFill>
-                  <a:latin typeface="Arial" panose="020B0604020202020204" pitchFamily="34" charset="0"/>
-                  <a:cs typeface="Arial" panose="020B0604020202020204" pitchFamily="34" charset="0"/>
-                </a:rPr>
-                <a:t>rating</a:t>
-              </a:r>
-              <a:endParaRPr lang="de-DE" sz="1200" dirty="0">
-                <a:solidFill>
-                  <a:schemeClr val="tx1"/>
-                </a:solidFill>
-                <a:latin typeface="Arial" panose="020B0604020202020204" pitchFamily="34" charset="0"/>
-                <a:cs typeface="Arial" panose="020B0604020202020204" pitchFamily="34" charset="0"/>
-              </a:endParaRPr>
-            </a:p>
-          </p:txBody>
-        </p:sp>
-        <p:sp>
-          <p:nvSpPr>
-            <p:cNvPr id="52" name="Textfeld 51"/>
-            <p:cNvSpPr txBox="1"/>
-            <p:nvPr/>
-          </p:nvSpPr>
-          <p:spPr>
-            <a:xfrm>
-              <a:off x="2735998" y="6274538"/>
-              <a:ext cx="3672001" cy="646331"/>
-            </a:xfrm>
-            <a:prstGeom prst="rect">
-              <a:avLst/>
-            </a:prstGeom>
-            <a:solidFill>
-              <a:schemeClr val="bg1"/>
-            </a:solidFill>
-            <a:ln w="12700">
-              <a:solidFill>
-                <a:schemeClr val="tx1"/>
-              </a:solidFill>
-            </a:ln>
-          </p:spPr>
-          <p:txBody>
-            <a:bodyPr wrap="square" rtlCol="0" anchor="ctr">
-              <a:spAutoFit/>
-            </a:bodyPr>
-            <a:lstStyle/>
-            <a:p>
-              <a:pPr algn="ctr"/>
-              <a:r>
-                <a:rPr lang="en-GB" sz="1200" dirty="0" smtClean="0">
-                  <a:latin typeface="Arial" panose="020B0604020202020204" pitchFamily="34" charset="0"/>
-                  <a:ea typeface="Open Sans" panose="020B0606030504020204" pitchFamily="34" charset="0"/>
-                  <a:cs typeface="Arial" panose="020B0604020202020204" pitchFamily="34" charset="0"/>
-                </a:rPr>
-                <a:t>Effort Discounting Procedure</a:t>
-              </a:r>
-            </a:p>
-            <a:p>
-              <a:pPr algn="ctr"/>
-              <a:r>
-                <a:rPr lang="en-GB" sz="1200" dirty="0" smtClean="0">
-                  <a:latin typeface="Arial" panose="020B0604020202020204" pitchFamily="34" charset="0"/>
-                  <a:ea typeface="Open Sans" panose="020B0606030504020204" pitchFamily="34" charset="0"/>
-                  <a:cs typeface="Arial" panose="020B0604020202020204" pitchFamily="34" charset="0"/>
-                </a:rPr>
-                <a:t>Pairwise comparison of the strategies </a:t>
-              </a:r>
-              <a:r>
-                <a:rPr lang="en-GB" sz="1200" i="1" dirty="0" smtClean="0">
-                  <a:latin typeface="Arial" panose="020B0604020202020204" pitchFamily="34" charset="0"/>
-                  <a:ea typeface="Open Sans" panose="020B0606030504020204" pitchFamily="34" charset="0"/>
-                  <a:cs typeface="Arial" panose="020B0604020202020204" pitchFamily="34" charset="0"/>
-                </a:rPr>
-                <a:t>Distraction</a:t>
-              </a:r>
-              <a:r>
-                <a:rPr lang="en-GB" sz="1200" dirty="0" smtClean="0">
-                  <a:latin typeface="Arial" panose="020B0604020202020204" pitchFamily="34" charset="0"/>
-                  <a:ea typeface="Open Sans" panose="020B0606030504020204" pitchFamily="34" charset="0"/>
-                  <a:cs typeface="Arial" panose="020B0604020202020204" pitchFamily="34" charset="0"/>
-                </a:rPr>
-                <a:t>, </a:t>
-              </a:r>
-              <a:r>
-                <a:rPr lang="en-GB" sz="1200" i="1" dirty="0" smtClean="0">
-                  <a:latin typeface="Arial" panose="020B0604020202020204" pitchFamily="34" charset="0"/>
-                  <a:ea typeface="Open Sans" panose="020B0606030504020204" pitchFamily="34" charset="0"/>
-                  <a:cs typeface="Arial" panose="020B0604020202020204" pitchFamily="34" charset="0"/>
-                </a:rPr>
-                <a:t>Distancing</a:t>
-              </a:r>
-              <a:r>
-                <a:rPr lang="en-GB" sz="1200" dirty="0" smtClean="0">
-                  <a:latin typeface="Arial" panose="020B0604020202020204" pitchFamily="34" charset="0"/>
-                  <a:ea typeface="Open Sans" panose="020B0606030504020204" pitchFamily="34" charset="0"/>
-                  <a:cs typeface="Arial" panose="020B0604020202020204" pitchFamily="34" charset="0"/>
-                </a:rPr>
-                <a:t>, and </a:t>
-              </a:r>
-              <a:r>
-                <a:rPr lang="en-GB" sz="1200" i="1" dirty="0" smtClean="0">
-                  <a:latin typeface="Arial" panose="020B0604020202020204" pitchFamily="34" charset="0"/>
-                  <a:ea typeface="Open Sans" panose="020B0606030504020204" pitchFamily="34" charset="0"/>
-                  <a:cs typeface="Arial" panose="020B0604020202020204" pitchFamily="34" charset="0"/>
-                </a:rPr>
-                <a:t>Expressive suppression</a:t>
-              </a:r>
-              <a:endParaRPr lang="en-GB" sz="1200" i="1" dirty="0">
-                <a:latin typeface="Arial" panose="020B0604020202020204" pitchFamily="34" charset="0"/>
-                <a:ea typeface="Open Sans" panose="020B0606030504020204" pitchFamily="34" charset="0"/>
-                <a:cs typeface="Arial" panose="020B0604020202020204" pitchFamily="34" charset="0"/>
-              </a:endParaRPr>
-            </a:p>
-          </p:txBody>
-        </p:sp>
-        <p:sp>
-          <p:nvSpPr>
-            <p:cNvPr id="58" name="Eckige Klammer links 57"/>
-            <p:cNvSpPr/>
-            <p:nvPr/>
-          </p:nvSpPr>
-          <p:spPr>
-            <a:xfrm>
-              <a:off x="2630047" y="3166847"/>
-              <a:ext cx="72008" cy="2532339"/>
-            </a:xfrm>
-            <a:prstGeom prst="leftBracket">
-              <a:avLst/>
-            </a:prstGeom>
-            <a:ln>
-              <a:solidFill>
-                <a:schemeClr val="tx1"/>
-              </a:solidFill>
-            </a:ln>
-          </p:spPr>
-          <p:style>
-            <a:lnRef idx="1">
-              <a:schemeClr val="accent1"/>
-            </a:lnRef>
-            <a:fillRef idx="0">
-              <a:schemeClr val="accent1"/>
-            </a:fillRef>
-            <a:effectRef idx="0">
-              <a:schemeClr val="accent1"/>
-            </a:effectRef>
-            <a:fontRef idx="minor">
-              <a:schemeClr val="tx1"/>
-            </a:fontRef>
-          </p:style>
-          <p:txBody>
-            <a:bodyPr rtlCol="0" anchor="ctr"/>
-            <a:lstStyle/>
-            <a:p>
-              <a:pPr algn="ctr"/>
-              <a:endParaRPr lang="de-DE"/>
-            </a:p>
-          </p:txBody>
-        </p:sp>
       </p:grpSp>
-      <p:sp>
-        <p:nvSpPr>
-          <p:cNvPr id="60" name="Abgerundetes Rechteck 59"/>
-          <p:cNvSpPr/>
-          <p:nvPr/>
-        </p:nvSpPr>
-        <p:spPr>
-          <a:xfrm>
-            <a:off x="3581787" y="1603888"/>
-            <a:ext cx="1980422" cy="376481"/>
-          </a:xfrm>
-          <a:prstGeom prst="roundRect">
-            <a:avLst/>
-          </a:prstGeom>
-          <a:solidFill>
-            <a:schemeClr val="bg1"/>
-          </a:solidFill>
-          <a:ln w="6350">
-            <a:solidFill>
-              <a:schemeClr val="tx1"/>
-            </a:solidFill>
-          </a:ln>
-        </p:spPr>
-        <p:style>
-          <a:lnRef idx="2">
-            <a:schemeClr val="accent1">
-              <a:shade val="50000"/>
-            </a:schemeClr>
-          </a:lnRef>
-          <a:fillRef idx="1">
-            <a:schemeClr val="accent1"/>
-          </a:fillRef>
-          <a:effectRef idx="0">
-            <a:schemeClr val="accent1"/>
-          </a:effectRef>
-          <a:fontRef idx="minor">
-            <a:schemeClr val="lt1"/>
-          </a:fontRef>
-        </p:style>
-        <p:txBody>
-          <a:bodyPr rtlCol="0" anchor="ctr"/>
-          <a:lstStyle/>
-          <a:p>
-            <a:pPr algn="ctr"/>
-            <a:r>
-              <a:rPr lang="de-DE" sz="1200" dirty="0" err="1">
-                <a:solidFill>
-                  <a:schemeClr val="tx1"/>
-                </a:solidFill>
-                <a:latin typeface="Arial" panose="020B0604020202020204" pitchFamily="34" charset="0"/>
-                <a:cs typeface="Arial" panose="020B0604020202020204" pitchFamily="34" charset="0"/>
-              </a:rPr>
-              <a:t>subjective</a:t>
-            </a:r>
-            <a:r>
-              <a:rPr lang="de-DE" sz="1200" dirty="0">
-                <a:solidFill>
-                  <a:schemeClr val="tx1"/>
-                </a:solidFill>
-                <a:latin typeface="Arial" panose="020B0604020202020204" pitchFamily="34" charset="0"/>
-                <a:cs typeface="Arial" panose="020B0604020202020204" pitchFamily="34" charset="0"/>
-              </a:rPr>
-              <a:t> </a:t>
-            </a:r>
-            <a:r>
-              <a:rPr lang="de-DE" sz="1200" dirty="0" err="1">
-                <a:solidFill>
-                  <a:schemeClr val="tx1"/>
-                </a:solidFill>
-                <a:latin typeface="Arial" panose="020B0604020202020204" pitchFamily="34" charset="0"/>
-                <a:cs typeface="Arial" panose="020B0604020202020204" pitchFamily="34" charset="0"/>
-              </a:rPr>
-              <a:t>arousal</a:t>
-            </a:r>
-            <a:r>
-              <a:rPr lang="de-DE" sz="1200" dirty="0">
-                <a:solidFill>
-                  <a:schemeClr val="tx1"/>
-                </a:solidFill>
-                <a:latin typeface="Arial" panose="020B0604020202020204" pitchFamily="34" charset="0"/>
-                <a:cs typeface="Arial" panose="020B0604020202020204" pitchFamily="34" charset="0"/>
-              </a:rPr>
-              <a:t> </a:t>
-            </a:r>
-            <a:r>
-              <a:rPr lang="de-DE" sz="1200" dirty="0" err="1">
-                <a:solidFill>
-                  <a:schemeClr val="tx1"/>
-                </a:solidFill>
-                <a:latin typeface="Arial" panose="020B0604020202020204" pitchFamily="34" charset="0"/>
-                <a:cs typeface="Arial" panose="020B0604020202020204" pitchFamily="34" charset="0"/>
-              </a:rPr>
-              <a:t>and</a:t>
-            </a:r>
-            <a:r>
-              <a:rPr lang="de-DE" sz="1200" dirty="0">
-                <a:solidFill>
-                  <a:schemeClr val="tx1"/>
-                </a:solidFill>
-                <a:latin typeface="Arial" panose="020B0604020202020204" pitchFamily="34" charset="0"/>
-                <a:cs typeface="Arial" panose="020B0604020202020204" pitchFamily="34" charset="0"/>
-              </a:rPr>
-              <a:t> </a:t>
-            </a:r>
-            <a:r>
-              <a:rPr lang="de-DE" sz="1200" dirty="0" err="1">
-                <a:solidFill>
-                  <a:schemeClr val="tx1"/>
-                </a:solidFill>
-                <a:latin typeface="Arial" panose="020B0604020202020204" pitchFamily="34" charset="0"/>
-                <a:cs typeface="Arial" panose="020B0604020202020204" pitchFamily="34" charset="0"/>
-              </a:rPr>
-              <a:t>effort</a:t>
-            </a:r>
-            <a:r>
-              <a:rPr lang="de-DE" sz="1200" dirty="0">
-                <a:solidFill>
-                  <a:schemeClr val="tx1"/>
-                </a:solidFill>
-                <a:latin typeface="Arial" panose="020B0604020202020204" pitchFamily="34" charset="0"/>
-                <a:cs typeface="Arial" panose="020B0604020202020204" pitchFamily="34" charset="0"/>
-              </a:rPr>
-              <a:t> </a:t>
-            </a:r>
-            <a:r>
-              <a:rPr lang="de-DE" sz="1200" dirty="0" err="1">
-                <a:solidFill>
-                  <a:schemeClr val="tx1"/>
-                </a:solidFill>
-                <a:latin typeface="Arial" panose="020B0604020202020204" pitchFamily="34" charset="0"/>
-                <a:cs typeface="Arial" panose="020B0604020202020204" pitchFamily="34" charset="0"/>
-              </a:rPr>
-              <a:t>rating</a:t>
-            </a:r>
-            <a:endParaRPr lang="de-DE" sz="1200" dirty="0">
-              <a:solidFill>
-                <a:schemeClr val="tx1"/>
-              </a:solidFill>
-              <a:latin typeface="Arial" panose="020B0604020202020204" pitchFamily="34" charset="0"/>
-              <a:cs typeface="Arial" panose="020B0604020202020204" pitchFamily="34" charset="0"/>
-            </a:endParaRPr>
-          </a:p>
-        </p:txBody>
-      </p:sp>
     </p:spTree>
     <p:extLst>
       <p:ext uri="{BB962C8B-B14F-4D97-AF65-F5344CB8AC3E}">

--- a/06_Paper/ER-ED/figures/Design_ER-ED.pptx
+++ b/06_Paper/ER-ED/figures/Design_ER-ED.pptx
@@ -304,7 +304,7 @@
           <a:p>
             <a:fld id="{B402BDB7-B15E-449C-BC07-89445F124ABC}" type="datetimeFigureOut">
               <a:rPr lang="en-GB" smtClean="0"/>
-              <a:t>03/03/2022</a:t>
+              <a:t>30/05/2022</a:t>
             </a:fld>
             <a:endParaRPr lang="en-GB"/>
           </a:p>
@@ -474,7 +474,7 @@
           <a:p>
             <a:fld id="{B402BDB7-B15E-449C-BC07-89445F124ABC}" type="datetimeFigureOut">
               <a:rPr lang="en-GB" smtClean="0"/>
-              <a:t>03/03/2022</a:t>
+              <a:t>30/05/2022</a:t>
             </a:fld>
             <a:endParaRPr lang="en-GB"/>
           </a:p>
@@ -654,7 +654,7 @@
           <a:p>
             <a:fld id="{B402BDB7-B15E-449C-BC07-89445F124ABC}" type="datetimeFigureOut">
               <a:rPr lang="en-GB" smtClean="0"/>
-              <a:t>03/03/2022</a:t>
+              <a:t>30/05/2022</a:t>
             </a:fld>
             <a:endParaRPr lang="en-GB"/>
           </a:p>
@@ -824,7 +824,7 @@
           <a:p>
             <a:fld id="{B402BDB7-B15E-449C-BC07-89445F124ABC}" type="datetimeFigureOut">
               <a:rPr lang="en-GB" smtClean="0"/>
-              <a:t>03/03/2022</a:t>
+              <a:t>30/05/2022</a:t>
             </a:fld>
             <a:endParaRPr lang="en-GB"/>
           </a:p>
@@ -1070,7 +1070,7 @@
           <a:p>
             <a:fld id="{B402BDB7-B15E-449C-BC07-89445F124ABC}" type="datetimeFigureOut">
               <a:rPr lang="en-GB" smtClean="0"/>
-              <a:t>03/03/2022</a:t>
+              <a:t>30/05/2022</a:t>
             </a:fld>
             <a:endParaRPr lang="en-GB"/>
           </a:p>
@@ -1358,7 +1358,7 @@
           <a:p>
             <a:fld id="{B402BDB7-B15E-449C-BC07-89445F124ABC}" type="datetimeFigureOut">
               <a:rPr lang="en-GB" smtClean="0"/>
-              <a:t>03/03/2022</a:t>
+              <a:t>30/05/2022</a:t>
             </a:fld>
             <a:endParaRPr lang="en-GB"/>
           </a:p>
@@ -1780,7 +1780,7 @@
           <a:p>
             <a:fld id="{B402BDB7-B15E-449C-BC07-89445F124ABC}" type="datetimeFigureOut">
               <a:rPr lang="en-GB" smtClean="0"/>
-              <a:t>03/03/2022</a:t>
+              <a:t>30/05/2022</a:t>
             </a:fld>
             <a:endParaRPr lang="en-GB"/>
           </a:p>
@@ -1898,7 +1898,7 @@
           <a:p>
             <a:fld id="{B402BDB7-B15E-449C-BC07-89445F124ABC}" type="datetimeFigureOut">
               <a:rPr lang="en-GB" smtClean="0"/>
-              <a:t>03/03/2022</a:t>
+              <a:t>30/05/2022</a:t>
             </a:fld>
             <a:endParaRPr lang="en-GB"/>
           </a:p>
@@ -1993,7 +1993,7 @@
           <a:p>
             <a:fld id="{B402BDB7-B15E-449C-BC07-89445F124ABC}" type="datetimeFigureOut">
               <a:rPr lang="en-GB" smtClean="0"/>
-              <a:t>03/03/2022</a:t>
+              <a:t>30/05/2022</a:t>
             </a:fld>
             <a:endParaRPr lang="en-GB"/>
           </a:p>
@@ -2270,7 +2270,7 @@
           <a:p>
             <a:fld id="{B402BDB7-B15E-449C-BC07-89445F124ABC}" type="datetimeFigureOut">
               <a:rPr lang="en-GB" smtClean="0"/>
-              <a:t>03/03/2022</a:t>
+              <a:t>30/05/2022</a:t>
             </a:fld>
             <a:endParaRPr lang="en-GB"/>
           </a:p>
@@ -2523,7 +2523,7 @@
           <a:p>
             <a:fld id="{B402BDB7-B15E-449C-BC07-89445F124ABC}" type="datetimeFigureOut">
               <a:rPr lang="en-GB" smtClean="0"/>
-              <a:t>03/03/2022</a:t>
+              <a:t>30/05/2022</a:t>
             </a:fld>
             <a:endParaRPr lang="en-GB"/>
           </a:p>
@@ -2736,7 +2736,7 @@
           <a:p>
             <a:fld id="{B402BDB7-B15E-449C-BC07-89445F124ABC}" type="datetimeFigureOut">
               <a:rPr lang="en-GB" smtClean="0"/>
-              <a:t>03/03/2022</a:t>
+              <a:t>30/05/2022</a:t>
             </a:fld>
             <a:endParaRPr lang="en-GB"/>
           </a:p>
@@ -3124,6 +3124,9 @@
             <a:chOff x="2314579" y="1088342"/>
             <a:chExt cx="4093420" cy="7064343"/>
           </a:xfrm>
+          <a:solidFill>
+            <a:schemeClr val="bg1"/>
+          </a:solidFill>
         </p:grpSpPr>
         <p:grpSp>
           <p:nvGrpSpPr>
@@ -3138,6 +3141,7 @@
               <a:chOff x="2314579" y="1088342"/>
               <a:chExt cx="4093420" cy="7064343"/>
             </a:xfrm>
+            <a:grpFill/>
           </p:grpSpPr>
           <p:cxnSp>
             <p:nvCxnSpPr>
@@ -3156,6 +3160,7 @@
               <a:prstGeom prst="straightConnector1">
                 <a:avLst/>
               </a:prstGeom>
+              <a:grpFill/>
               <a:ln w="6350">
                 <a:solidFill>
                   <a:schemeClr val="tx1"/>
@@ -3196,6 +3201,7 @@
               <a:prstGeom prst="straightConnector1">
                 <a:avLst/>
               </a:prstGeom>
+              <a:grpFill/>
               <a:ln w="6350">
                 <a:solidFill>
                   <a:schemeClr val="tx1"/>
@@ -3236,6 +3242,7 @@
               <a:prstGeom prst="straightConnector1">
                 <a:avLst/>
               </a:prstGeom>
+              <a:grpFill/>
               <a:ln w="6350">
                 <a:solidFill>
                   <a:schemeClr val="tx1"/>
@@ -3276,6 +3283,7 @@
               <a:prstGeom prst="straightConnector1">
                 <a:avLst/>
               </a:prstGeom>
+              <a:grpFill/>
               <a:ln w="6350">
                 <a:solidFill>
                   <a:schemeClr val="tx1"/>
@@ -3313,7 +3321,7 @@
               <a:prstGeom prst="rect">
                 <a:avLst/>
               </a:prstGeom>
-              <a:noFill/>
+              <a:grpFill/>
               <a:ln w="12700">
                 <a:solidFill>
                   <a:schemeClr val="tx1"/>
@@ -3346,11 +3354,6 @@
                   </a:rPr>
                   <a:t>Active viewing of neutral pictures</a:t>
                 </a:r>
-                <a:endParaRPr lang="en-GB" sz="1200" dirty="0">
-                  <a:latin typeface="Arial" panose="020B0604020202020204" pitchFamily="34" charset="0"/>
-                  <a:ea typeface="Open Sans" panose="020B0606030504020204" pitchFamily="34" charset="0"/>
-                  <a:cs typeface="Arial" panose="020B0604020202020204" pitchFamily="34" charset="0"/>
-                </a:endParaRPr>
               </a:p>
             </p:txBody>
           </p:sp>
@@ -3368,7 +3371,7 @@
               <a:prstGeom prst="rect">
                 <a:avLst/>
               </a:prstGeom>
-              <a:noFill/>
+              <a:grpFill/>
               <a:ln w="12700">
                 <a:solidFill>
                   <a:schemeClr val="tx1"/>
@@ -3425,11 +3428,6 @@
                   </a:rPr>
                   <a:t>pictures</a:t>
                 </a:r>
-                <a:endParaRPr lang="en-GB" sz="1200" dirty="0">
-                  <a:latin typeface="Arial" panose="020B0604020202020204" pitchFamily="34" charset="0"/>
-                  <a:ea typeface="Open Sans" panose="020B0606030504020204" pitchFamily="34" charset="0"/>
-                  <a:cs typeface="Arial" panose="020B0604020202020204" pitchFamily="34" charset="0"/>
-                </a:endParaRPr>
               </a:p>
             </p:txBody>
           </p:sp>
@@ -3447,7 +3445,7 @@
               <a:prstGeom prst="rect">
                 <a:avLst/>
               </a:prstGeom>
-              <a:noFill/>
+              <a:grpFill/>
               <a:ln w="12700">
                 <a:solidFill>
                   <a:schemeClr val="tx1"/>
@@ -3518,21 +3516,8 @@
                     <a:ea typeface="Open Sans" panose="020B0606030504020204" pitchFamily="34" charset="0"/>
                     <a:cs typeface="Arial" panose="020B0604020202020204" pitchFamily="34" charset="0"/>
                   </a:rPr>
-                  <a:t>p</a:t>
-                </a:r>
-                <a:r>
-                  <a:rPr lang="en-GB" sz="1200" dirty="0">
-                    <a:latin typeface="Arial" panose="020B0604020202020204" pitchFamily="34" charset="0"/>
-                    <a:ea typeface="Open Sans" panose="020B0606030504020204" pitchFamily="34" charset="0"/>
-                    <a:cs typeface="Arial" panose="020B0604020202020204" pitchFamily="34" charset="0"/>
-                  </a:rPr>
-                  <a:t>ictures</a:t>
-                </a:r>
-                <a:endParaRPr lang="en-GB" sz="1200" dirty="0">
-                  <a:latin typeface="Arial" panose="020B0604020202020204" pitchFamily="34" charset="0"/>
-                  <a:ea typeface="Open Sans" panose="020B0606030504020204" pitchFamily="34" charset="0"/>
-                  <a:cs typeface="Arial" panose="020B0604020202020204" pitchFamily="34" charset="0"/>
-                </a:endParaRPr>
+                  <a:t>pictures</a:t>
+                </a:r>
               </a:p>
             </p:txBody>
           </p:sp>
@@ -3550,7 +3535,7 @@
               <a:prstGeom prst="rect">
                 <a:avLst/>
               </a:prstGeom>
-              <a:noFill/>
+              <a:grpFill/>
               <a:ln w="12700">
                 <a:solidFill>
                   <a:schemeClr val="tx1"/>
@@ -3618,7 +3603,7 @@
               <a:prstGeom prst="rect">
                 <a:avLst/>
               </a:prstGeom>
-              <a:noFill/>
+              <a:grpFill/>
               <a:ln w="12700">
                 <a:solidFill>
                   <a:schemeClr val="tx1"/>
@@ -3705,21 +3690,8 @@
                     <a:ea typeface="Open Sans" panose="020B0606030504020204" pitchFamily="34" charset="0"/>
                     <a:cs typeface="Arial" panose="020B0604020202020204" pitchFamily="34" charset="0"/>
                   </a:rPr>
-                  <a:t>p</a:t>
-                </a:r>
-                <a:r>
-                  <a:rPr lang="en-GB" sz="1200" dirty="0">
-                    <a:latin typeface="Arial" panose="020B0604020202020204" pitchFamily="34" charset="0"/>
-                    <a:ea typeface="Open Sans" panose="020B0606030504020204" pitchFamily="34" charset="0"/>
-                    <a:cs typeface="Arial" panose="020B0604020202020204" pitchFamily="34" charset="0"/>
-                  </a:rPr>
-                  <a:t>ictures</a:t>
-                </a:r>
-                <a:endParaRPr lang="en-GB" sz="1200" dirty="0">
-                  <a:latin typeface="Arial" panose="020B0604020202020204" pitchFamily="34" charset="0"/>
-                  <a:ea typeface="Open Sans" panose="020B0606030504020204" pitchFamily="34" charset="0"/>
-                  <a:cs typeface="Arial" panose="020B0604020202020204" pitchFamily="34" charset="0"/>
-                </a:endParaRPr>
+                  <a:t>pictures</a:t>
+                </a:r>
               </a:p>
             </p:txBody>
           </p:sp>
@@ -3737,7 +3709,7 @@
               <a:prstGeom prst="rect">
                 <a:avLst/>
               </a:prstGeom>
-              <a:noFill/>
+              <a:grpFill/>
               <a:ln w="12700">
                 <a:solidFill>
                   <a:schemeClr val="tx1"/>
@@ -3859,6 +3831,7 @@
               <a:prstGeom prst="straightConnector1">
                 <a:avLst/>
               </a:prstGeom>
+              <a:grpFill/>
               <a:ln w="6350">
                 <a:solidFill>
                   <a:schemeClr val="tx1"/>
@@ -3896,9 +3869,7 @@
               <a:prstGeom prst="rect">
                 <a:avLst/>
               </a:prstGeom>
-              <a:solidFill>
-                <a:schemeClr val="bg1"/>
-              </a:solidFill>
+              <a:grpFill/>
               <a:ln>
                 <a:solidFill>
                   <a:schemeClr val="tx1">
@@ -3957,9 +3928,7 @@
               <a:prstGeom prst="roundRect">
                 <a:avLst/>
               </a:prstGeom>
-              <a:solidFill>
-                <a:schemeClr val="bg1"/>
-              </a:solidFill>
+              <a:grpFill/>
               <a:ln w="6350">
                 <a:solidFill>
                   <a:schemeClr val="tx1"/>
@@ -4025,6 +3994,26 @@
                     <a:latin typeface="Arial" panose="020B0604020202020204" pitchFamily="34" charset="0"/>
                     <a:cs typeface="Arial" panose="020B0604020202020204" pitchFamily="34" charset="0"/>
                   </a:rPr>
+                  <a:t>, </a:t>
+                </a:r>
+                <a:r>
+                  <a:rPr lang="de-DE" sz="1200" dirty="0" err="1">
+                    <a:solidFill>
+                      <a:schemeClr val="tx1"/>
+                    </a:solidFill>
+                    <a:latin typeface="Arial" panose="020B0604020202020204" pitchFamily="34" charset="0"/>
+                    <a:cs typeface="Arial" panose="020B0604020202020204" pitchFamily="34" charset="0"/>
+                  </a:rPr>
+                  <a:t>effort</a:t>
+                </a:r>
+                <a:r>
+                  <a:rPr lang="de-DE" sz="1200" dirty="0">
+                    <a:solidFill>
+                      <a:schemeClr val="tx1"/>
+                    </a:solidFill>
+                    <a:latin typeface="Arial" panose="020B0604020202020204" pitchFamily="34" charset="0"/>
+                    <a:cs typeface="Arial" panose="020B0604020202020204" pitchFamily="34" charset="0"/>
+                  </a:rPr>
                   <a:t> </a:t>
                 </a:r>
                 <a:r>
@@ -4055,7 +4044,7 @@
                     <a:latin typeface="Arial" panose="020B0604020202020204" pitchFamily="34" charset="0"/>
                     <a:cs typeface="Arial" panose="020B0604020202020204" pitchFamily="34" charset="0"/>
                   </a:rPr>
-                  <a:t>effort</a:t>
+                  <a:t>utility</a:t>
                 </a:r>
                 <a:r>
                   <a:rPr lang="de-DE" sz="1200" dirty="0">
@@ -4101,9 +4090,7 @@
               <a:prstGeom prst="roundRect">
                 <a:avLst/>
               </a:prstGeom>
-              <a:solidFill>
-                <a:schemeClr val="bg1"/>
-              </a:solidFill>
+              <a:grpFill/>
               <a:ln w="6350">
                 <a:solidFill>
                   <a:schemeClr val="tx1"/>
@@ -4169,6 +4156,26 @@
                     <a:latin typeface="Arial" panose="020B0604020202020204" pitchFamily="34" charset="0"/>
                     <a:cs typeface="Arial" panose="020B0604020202020204" pitchFamily="34" charset="0"/>
                   </a:rPr>
+                  <a:t>, </a:t>
+                </a:r>
+                <a:r>
+                  <a:rPr lang="de-DE" sz="1200" dirty="0" err="1">
+                    <a:solidFill>
+                      <a:schemeClr val="tx1"/>
+                    </a:solidFill>
+                    <a:latin typeface="Arial" panose="020B0604020202020204" pitchFamily="34" charset="0"/>
+                    <a:cs typeface="Arial" panose="020B0604020202020204" pitchFamily="34" charset="0"/>
+                  </a:rPr>
+                  <a:t>effort</a:t>
+                </a:r>
+                <a:r>
+                  <a:rPr lang="de-DE" sz="1200" dirty="0">
+                    <a:solidFill>
+                      <a:schemeClr val="tx1"/>
+                    </a:solidFill>
+                    <a:latin typeface="Arial" panose="020B0604020202020204" pitchFamily="34" charset="0"/>
+                    <a:cs typeface="Arial" panose="020B0604020202020204" pitchFamily="34" charset="0"/>
+                  </a:rPr>
                   <a:t> </a:t>
                 </a:r>
                 <a:r>
@@ -4199,7 +4206,7 @@
                     <a:latin typeface="Arial" panose="020B0604020202020204" pitchFamily="34" charset="0"/>
                     <a:cs typeface="Arial" panose="020B0604020202020204" pitchFamily="34" charset="0"/>
                   </a:rPr>
-                  <a:t>effort</a:t>
+                  <a:t>utility</a:t>
                 </a:r>
                 <a:r>
                   <a:rPr lang="de-DE" sz="1200" dirty="0">
@@ -4245,9 +4252,7 @@
               <a:prstGeom prst="roundRect">
                 <a:avLst/>
               </a:prstGeom>
-              <a:solidFill>
-                <a:schemeClr val="bg1"/>
-              </a:solidFill>
+              <a:grpFill/>
               <a:ln w="6350">
                 <a:solidFill>
                   <a:schemeClr val="tx1"/>
@@ -4313,6 +4318,26 @@
                     <a:latin typeface="Arial" panose="020B0604020202020204" pitchFamily="34" charset="0"/>
                     <a:cs typeface="Arial" panose="020B0604020202020204" pitchFamily="34" charset="0"/>
                   </a:rPr>
+                  <a:t>, </a:t>
+                </a:r>
+                <a:r>
+                  <a:rPr lang="de-DE" sz="1200" dirty="0" err="1">
+                    <a:solidFill>
+                      <a:schemeClr val="tx1"/>
+                    </a:solidFill>
+                    <a:latin typeface="Arial" panose="020B0604020202020204" pitchFamily="34" charset="0"/>
+                    <a:cs typeface="Arial" panose="020B0604020202020204" pitchFamily="34" charset="0"/>
+                  </a:rPr>
+                  <a:t>effort</a:t>
+                </a:r>
+                <a:r>
+                  <a:rPr lang="de-DE" sz="1200" dirty="0">
+                    <a:solidFill>
+                      <a:schemeClr val="tx1"/>
+                    </a:solidFill>
+                    <a:latin typeface="Arial" panose="020B0604020202020204" pitchFamily="34" charset="0"/>
+                    <a:cs typeface="Arial" panose="020B0604020202020204" pitchFamily="34" charset="0"/>
+                  </a:rPr>
                   <a:t> </a:t>
                 </a:r>
                 <a:r>
@@ -4343,7 +4368,7 @@
                     <a:latin typeface="Arial" panose="020B0604020202020204" pitchFamily="34" charset="0"/>
                     <a:cs typeface="Arial" panose="020B0604020202020204" pitchFamily="34" charset="0"/>
                   </a:rPr>
-                  <a:t>effort</a:t>
+                  <a:t>utility</a:t>
                 </a:r>
                 <a:r>
                   <a:rPr lang="de-DE" sz="1200" dirty="0">
@@ -4389,9 +4414,7 @@
               <a:prstGeom prst="roundRect">
                 <a:avLst/>
               </a:prstGeom>
-              <a:solidFill>
-                <a:schemeClr val="bg1"/>
-              </a:solidFill>
+              <a:grpFill/>
               <a:ln w="6350">
                 <a:solidFill>
                   <a:schemeClr val="tx1"/>
@@ -4457,6 +4480,26 @@
                     <a:latin typeface="Arial" panose="020B0604020202020204" pitchFamily="34" charset="0"/>
                     <a:cs typeface="Arial" panose="020B0604020202020204" pitchFamily="34" charset="0"/>
                   </a:rPr>
+                  <a:t>, </a:t>
+                </a:r>
+                <a:r>
+                  <a:rPr lang="de-DE" sz="1200" dirty="0" err="1">
+                    <a:solidFill>
+                      <a:schemeClr val="tx1"/>
+                    </a:solidFill>
+                    <a:latin typeface="Arial" panose="020B0604020202020204" pitchFamily="34" charset="0"/>
+                    <a:cs typeface="Arial" panose="020B0604020202020204" pitchFamily="34" charset="0"/>
+                  </a:rPr>
+                  <a:t>effort</a:t>
+                </a:r>
+                <a:r>
+                  <a:rPr lang="de-DE" sz="1200" dirty="0">
+                    <a:solidFill>
+                      <a:schemeClr val="tx1"/>
+                    </a:solidFill>
+                    <a:latin typeface="Arial" panose="020B0604020202020204" pitchFamily="34" charset="0"/>
+                    <a:cs typeface="Arial" panose="020B0604020202020204" pitchFamily="34" charset="0"/>
+                  </a:rPr>
                   <a:t> </a:t>
                 </a:r>
                 <a:r>
@@ -4487,7 +4530,7 @@
                     <a:latin typeface="Arial" panose="020B0604020202020204" pitchFamily="34" charset="0"/>
                     <a:cs typeface="Arial" panose="020B0604020202020204" pitchFamily="34" charset="0"/>
                   </a:rPr>
-                  <a:t>effort</a:t>
+                  <a:t>utility</a:t>
                 </a:r>
                 <a:r>
                   <a:rPr lang="de-DE" sz="1200" dirty="0">
@@ -4533,9 +4576,7 @@
               <a:prstGeom prst="roundRect">
                 <a:avLst/>
               </a:prstGeom>
-              <a:solidFill>
-                <a:schemeClr val="bg1"/>
-              </a:solidFill>
+              <a:grpFill/>
               <a:ln w="6350">
                 <a:solidFill>
                   <a:schemeClr val="tx1"/>
@@ -4601,6 +4642,26 @@
                     <a:latin typeface="Arial" panose="020B0604020202020204" pitchFamily="34" charset="0"/>
                     <a:cs typeface="Arial" panose="020B0604020202020204" pitchFamily="34" charset="0"/>
                   </a:rPr>
+                  <a:t>, </a:t>
+                </a:r>
+                <a:r>
+                  <a:rPr lang="de-DE" sz="1200" dirty="0" err="1">
+                    <a:solidFill>
+                      <a:schemeClr val="tx1"/>
+                    </a:solidFill>
+                    <a:latin typeface="Arial" panose="020B0604020202020204" pitchFamily="34" charset="0"/>
+                    <a:cs typeface="Arial" panose="020B0604020202020204" pitchFamily="34" charset="0"/>
+                  </a:rPr>
+                  <a:t>effort</a:t>
+                </a:r>
+                <a:r>
+                  <a:rPr lang="de-DE" sz="1200" dirty="0">
+                    <a:solidFill>
+                      <a:schemeClr val="tx1"/>
+                    </a:solidFill>
+                    <a:latin typeface="Arial" panose="020B0604020202020204" pitchFamily="34" charset="0"/>
+                    <a:cs typeface="Arial" panose="020B0604020202020204" pitchFamily="34" charset="0"/>
+                  </a:rPr>
                   <a:t> </a:t>
                 </a:r>
                 <a:r>
@@ -4631,7 +4692,7 @@
                     <a:latin typeface="Arial" panose="020B0604020202020204" pitchFamily="34" charset="0"/>
                     <a:cs typeface="Arial" panose="020B0604020202020204" pitchFamily="34" charset="0"/>
                   </a:rPr>
-                  <a:t>effort</a:t>
+                  <a:t>utility</a:t>
                 </a:r>
                 <a:r>
                   <a:rPr lang="de-DE" sz="1200" dirty="0">
@@ -4677,9 +4738,7 @@
               <a:prstGeom prst="rect">
                 <a:avLst/>
               </a:prstGeom>
-              <a:solidFill>
-                <a:schemeClr val="bg1"/>
-              </a:solidFill>
+              <a:grpFill/>
               <a:ln w="12700">
                 <a:solidFill>
                   <a:schemeClr val="tx1"/>
@@ -4774,6 +4833,7 @@
               <a:prstGeom prst="leftBracket">
                 <a:avLst/>
               </a:prstGeom>
+              <a:grpFill/>
               <a:ln>
                 <a:solidFill>
                   <a:schemeClr val="tx1"/>
@@ -4818,9 +4878,7 @@
             <a:prstGeom prst="roundRect">
               <a:avLst/>
             </a:prstGeom>
-            <a:solidFill>
-              <a:schemeClr val="bg1"/>
-            </a:solidFill>
+            <a:grpFill/>
             <a:ln w="6350">
               <a:solidFill>
                 <a:schemeClr val="tx1"/>
@@ -4869,7 +4927,7 @@
                 <a:t> </a:t>
               </a:r>
               <a:r>
-                <a:rPr lang="de-DE" sz="1200" dirty="0" err="1">
+                <a:rPr lang="de-DE" sz="1200" dirty="0" err="1" smtClean="0">
                   <a:solidFill>
                     <a:schemeClr val="tx1"/>
                   </a:solidFill>
@@ -4879,7 +4937,27 @@
                 <a:t>arousal</a:t>
               </a:r>
               <a:r>
-                <a:rPr lang="de-DE" sz="1200" dirty="0">
+                <a:rPr lang="de-DE" sz="1200" dirty="0" smtClean="0">
+                  <a:solidFill>
+                    <a:schemeClr val="tx1"/>
+                  </a:solidFill>
+                  <a:latin typeface="Arial" panose="020B0604020202020204" pitchFamily="34" charset="0"/>
+                  <a:cs typeface="Arial" panose="020B0604020202020204" pitchFamily="34" charset="0"/>
+                </a:rPr>
+                <a:t>, </a:t>
+              </a:r>
+              <a:r>
+                <a:rPr lang="de-DE" sz="1200" dirty="0" err="1" smtClean="0">
+                  <a:solidFill>
+                    <a:schemeClr val="tx1"/>
+                  </a:solidFill>
+                  <a:latin typeface="Arial" panose="020B0604020202020204" pitchFamily="34" charset="0"/>
+                  <a:cs typeface="Arial" panose="020B0604020202020204" pitchFamily="34" charset="0"/>
+                </a:rPr>
+                <a:t>effort</a:t>
+              </a:r>
+              <a:r>
+                <a:rPr lang="de-DE" sz="1200" dirty="0" smtClean="0">
                   <a:solidFill>
                     <a:schemeClr val="tx1"/>
                   </a:solidFill>
@@ -4909,17 +4987,17 @@
                 <a:t> </a:t>
               </a:r>
               <a:r>
-                <a:rPr lang="de-DE" sz="1200" dirty="0" err="1">
+                <a:rPr lang="de-DE" sz="1200" dirty="0" err="1" smtClean="0">
                   <a:solidFill>
                     <a:schemeClr val="tx1"/>
                   </a:solidFill>
                   <a:latin typeface="Arial" panose="020B0604020202020204" pitchFamily="34" charset="0"/>
                   <a:cs typeface="Arial" panose="020B0604020202020204" pitchFamily="34" charset="0"/>
                 </a:rPr>
-                <a:t>effort</a:t>
+                <a:t>utility</a:t>
               </a:r>
               <a:r>
-                <a:rPr lang="de-DE" sz="1200" dirty="0">
+                <a:rPr lang="de-DE" sz="1200" dirty="0" smtClean="0">
                   <a:solidFill>
                     <a:schemeClr val="tx1"/>
                   </a:solidFill>

--- a/06_Paper/ER-ED/figures/Design_ER-ED.pptx
+++ b/06_Paper/ER-ED/figures/Design_ER-ED.pptx
@@ -3994,7 +3994,7 @@
                     <a:latin typeface="Arial" panose="020B0604020202020204" pitchFamily="34" charset="0"/>
                     <a:cs typeface="Arial" panose="020B0604020202020204" pitchFamily="34" charset="0"/>
                   </a:rPr>
-                  <a:t>, </a:t>
+                  <a:t> </a:t>
                 </a:r>
                 <a:r>
                   <a:rPr lang="de-DE" sz="1200" dirty="0" err="1">
@@ -4004,47 +4004,7 @@
                     <a:latin typeface="Arial" panose="020B0604020202020204" pitchFamily="34" charset="0"/>
                     <a:cs typeface="Arial" panose="020B0604020202020204" pitchFamily="34" charset="0"/>
                   </a:rPr>
-                  <a:t>effort</a:t>
-                </a:r>
-                <a:r>
-                  <a:rPr lang="de-DE" sz="1200" dirty="0">
-                    <a:solidFill>
-                      <a:schemeClr val="tx1"/>
-                    </a:solidFill>
-                    <a:latin typeface="Arial" panose="020B0604020202020204" pitchFamily="34" charset="0"/>
-                    <a:cs typeface="Arial" panose="020B0604020202020204" pitchFamily="34" charset="0"/>
-                  </a:rPr>
-                  <a:t> </a:t>
-                </a:r>
-                <a:r>
-                  <a:rPr lang="de-DE" sz="1200" dirty="0" err="1">
-                    <a:solidFill>
-                      <a:schemeClr val="tx1"/>
-                    </a:solidFill>
-                    <a:latin typeface="Arial" panose="020B0604020202020204" pitchFamily="34" charset="0"/>
-                    <a:cs typeface="Arial" panose="020B0604020202020204" pitchFamily="34" charset="0"/>
-                  </a:rPr>
                   <a:t>and</a:t>
-                </a:r>
-                <a:r>
-                  <a:rPr lang="de-DE" sz="1200" dirty="0">
-                    <a:solidFill>
-                      <a:schemeClr val="tx1"/>
-                    </a:solidFill>
-                    <a:latin typeface="Arial" panose="020B0604020202020204" pitchFamily="34" charset="0"/>
-                    <a:cs typeface="Arial" panose="020B0604020202020204" pitchFamily="34" charset="0"/>
-                  </a:rPr>
-                  <a:t> </a:t>
-                </a:r>
-                <a:r>
-                  <a:rPr lang="de-DE" sz="1200" dirty="0" err="1">
-                    <a:solidFill>
-                      <a:schemeClr val="tx1"/>
-                    </a:solidFill>
-                    <a:latin typeface="Arial" panose="020B0604020202020204" pitchFamily="34" charset="0"/>
-                    <a:cs typeface="Arial" panose="020B0604020202020204" pitchFamily="34" charset="0"/>
-                  </a:rPr>
-                  <a:t>utility</a:t>
                 </a:r>
                 <a:r>
                   <a:rPr lang="de-DE" sz="1200" dirty="0">
@@ -4944,7 +4904,7 @@
                   <a:latin typeface="Arial" panose="020B0604020202020204" pitchFamily="34" charset="0"/>
                   <a:cs typeface="Arial" panose="020B0604020202020204" pitchFamily="34" charset="0"/>
                 </a:rPr>
-                <a:t>, </a:t>
+                <a:t> </a:t>
               </a:r>
               <a:r>
                 <a:rPr lang="de-DE" sz="1200" dirty="0" err="1" smtClean="0">
@@ -4954,7 +4914,7 @@
                   <a:latin typeface="Arial" panose="020B0604020202020204" pitchFamily="34" charset="0"/>
                   <a:cs typeface="Arial" panose="020B0604020202020204" pitchFamily="34" charset="0"/>
                 </a:rPr>
-                <a:t>effort</a:t>
+                <a:t>and</a:t>
               </a:r>
               <a:r>
                 <a:rPr lang="de-DE" sz="1200" dirty="0" smtClean="0">
@@ -4967,47 +4927,7 @@
                 <a:t> </a:t>
               </a:r>
               <a:r>
-                <a:rPr lang="de-DE" sz="1200" dirty="0" err="1">
-                  <a:solidFill>
-                    <a:schemeClr val="tx1"/>
-                  </a:solidFill>
-                  <a:latin typeface="Arial" panose="020B0604020202020204" pitchFamily="34" charset="0"/>
-                  <a:cs typeface="Arial" panose="020B0604020202020204" pitchFamily="34" charset="0"/>
-                </a:rPr>
-                <a:t>and</a:t>
-              </a:r>
-              <a:r>
-                <a:rPr lang="de-DE" sz="1200" dirty="0">
-                  <a:solidFill>
-                    <a:schemeClr val="tx1"/>
-                  </a:solidFill>
-                  <a:latin typeface="Arial" panose="020B0604020202020204" pitchFamily="34" charset="0"/>
-                  <a:cs typeface="Arial" panose="020B0604020202020204" pitchFamily="34" charset="0"/>
-                </a:rPr>
-                <a:t> </a:t>
-              </a:r>
-              <a:r>
                 <a:rPr lang="de-DE" sz="1200" dirty="0" err="1" smtClean="0">
-                  <a:solidFill>
-                    <a:schemeClr val="tx1"/>
-                  </a:solidFill>
-                  <a:latin typeface="Arial" panose="020B0604020202020204" pitchFamily="34" charset="0"/>
-                  <a:cs typeface="Arial" panose="020B0604020202020204" pitchFamily="34" charset="0"/>
-                </a:rPr>
-                <a:t>utility</a:t>
-              </a:r>
-              <a:r>
-                <a:rPr lang="de-DE" sz="1200" dirty="0" smtClean="0">
-                  <a:solidFill>
-                    <a:schemeClr val="tx1"/>
-                  </a:solidFill>
-                  <a:latin typeface="Arial" panose="020B0604020202020204" pitchFamily="34" charset="0"/>
-                  <a:cs typeface="Arial" panose="020B0604020202020204" pitchFamily="34" charset="0"/>
-                </a:rPr>
-                <a:t> </a:t>
-              </a:r>
-              <a:r>
-                <a:rPr lang="de-DE" sz="1200" dirty="0" err="1">
                   <a:solidFill>
                     <a:schemeClr val="tx1"/>
                   </a:solidFill>
